--- a/doc/Implier - Arbitrage Examples.pptx
+++ b/doc/Implier - Arbitrage Examples.pptx
@@ -303,7 +303,7 @@
             <a:fld id="{1D8BD707-D9CF-40AE-B4C6-C98DA3205C09}" type="datetimeFigureOut">
               <a:rPr lang="en-US" smtClean="0"/>
               <a:pPr/>
-              <a:t>5/23/2010</a:t>
+              <a:t>5/25/2010</a:t>
             </a:fld>
             <a:endParaRPr lang="en-US"/>
           </a:p>
@@ -470,7 +470,7 @@
             <a:fld id="{1D8BD707-D9CF-40AE-B4C6-C98DA3205C09}" type="datetimeFigureOut">
               <a:rPr lang="en-US" smtClean="0"/>
               <a:pPr/>
-              <a:t>5/23/2010</a:t>
+              <a:t>5/25/2010</a:t>
             </a:fld>
             <a:endParaRPr lang="en-US"/>
           </a:p>
@@ -647,7 +647,7 @@
             <a:fld id="{1D8BD707-D9CF-40AE-B4C6-C98DA3205C09}" type="datetimeFigureOut">
               <a:rPr lang="en-US" smtClean="0"/>
               <a:pPr/>
-              <a:t>5/23/2010</a:t>
+              <a:t>5/25/2010</a:t>
             </a:fld>
             <a:endParaRPr lang="en-US"/>
           </a:p>
@@ -814,7 +814,7 @@
             <a:fld id="{1D8BD707-D9CF-40AE-B4C6-C98DA3205C09}" type="datetimeFigureOut">
               <a:rPr lang="en-US" smtClean="0"/>
               <a:pPr/>
-              <a:t>5/23/2010</a:t>
+              <a:t>5/25/2010</a:t>
             </a:fld>
             <a:endParaRPr lang="en-US"/>
           </a:p>
@@ -1057,7 +1057,7 @@
             <a:fld id="{1D8BD707-D9CF-40AE-B4C6-C98DA3205C09}" type="datetimeFigureOut">
               <a:rPr lang="en-US" smtClean="0"/>
               <a:pPr/>
-              <a:t>5/23/2010</a:t>
+              <a:t>5/25/2010</a:t>
             </a:fld>
             <a:endParaRPr lang="en-US"/>
           </a:p>
@@ -1342,7 +1342,7 @@
             <a:fld id="{1D8BD707-D9CF-40AE-B4C6-C98DA3205C09}" type="datetimeFigureOut">
               <a:rPr lang="en-US" smtClean="0"/>
               <a:pPr/>
-              <a:t>5/23/2010</a:t>
+              <a:t>5/25/2010</a:t>
             </a:fld>
             <a:endParaRPr lang="en-US"/>
           </a:p>
@@ -1761,7 +1761,7 @@
             <a:fld id="{1D8BD707-D9CF-40AE-B4C6-C98DA3205C09}" type="datetimeFigureOut">
               <a:rPr lang="en-US" smtClean="0"/>
               <a:pPr/>
-              <a:t>5/23/2010</a:t>
+              <a:t>5/25/2010</a:t>
             </a:fld>
             <a:endParaRPr lang="en-US"/>
           </a:p>
@@ -1876,7 +1876,7 @@
             <a:fld id="{1D8BD707-D9CF-40AE-B4C6-C98DA3205C09}" type="datetimeFigureOut">
               <a:rPr lang="en-US" smtClean="0"/>
               <a:pPr/>
-              <a:t>5/23/2010</a:t>
+              <a:t>5/25/2010</a:t>
             </a:fld>
             <a:endParaRPr lang="en-US"/>
           </a:p>
@@ -1968,7 +1968,7 @@
             <a:fld id="{1D8BD707-D9CF-40AE-B4C6-C98DA3205C09}" type="datetimeFigureOut">
               <a:rPr lang="en-US" smtClean="0"/>
               <a:pPr/>
-              <a:t>5/23/2010</a:t>
+              <a:t>5/25/2010</a:t>
             </a:fld>
             <a:endParaRPr lang="en-US"/>
           </a:p>
@@ -2242,7 +2242,7 @@
             <a:fld id="{1D8BD707-D9CF-40AE-B4C6-C98DA3205C09}" type="datetimeFigureOut">
               <a:rPr lang="en-US" smtClean="0"/>
               <a:pPr/>
-              <a:t>5/23/2010</a:t>
+              <a:t>5/25/2010</a:t>
             </a:fld>
             <a:endParaRPr lang="en-US"/>
           </a:p>
@@ -2492,7 +2492,7 @@
             <a:fld id="{1D8BD707-D9CF-40AE-B4C6-C98DA3205C09}" type="datetimeFigureOut">
               <a:rPr lang="en-US" smtClean="0"/>
               <a:pPr/>
-              <a:t>5/23/2010</a:t>
+              <a:t>5/25/2010</a:t>
             </a:fld>
             <a:endParaRPr lang="en-US"/>
           </a:p>
@@ -2702,7 +2702,7 @@
             <a:fld id="{1D8BD707-D9CF-40AE-B4C6-C98DA3205C09}" type="datetimeFigureOut">
               <a:rPr lang="en-US" smtClean="0"/>
               <a:pPr/>
-              <a:t>5/23/2010</a:t>
+              <a:t>5/25/2010</a:t>
             </a:fld>
             <a:endParaRPr lang="en-US"/>
           </a:p>
@@ -3526,11 +3526,7 @@
             </a:r>
             <a:r>
               <a:rPr lang="en-US" dirty="0"/>
-              <a:t>Positions with </a:t>
-            </a:r>
-            <a:r>
-              <a:rPr lang="en-US" dirty="0"/>
-              <a:t>Other MLEGs</a:t>
+              <a:t>Positions with Other MLEGs</a:t>
             </a:r>
           </a:p>
         </p:txBody>
@@ -4200,21 +4196,8 @@
             <a:pPr lvl="1"/>
             <a:r>
               <a:rPr lang="en-US" dirty="0" smtClean="0"/>
-              <a:t>The </a:t>
-            </a:r>
-            <a:r>
-              <a:rPr lang="en-US" dirty="0" smtClean="0"/>
-              <a:t>ask </a:t>
-            </a:r>
-            <a:r>
-              <a:rPr lang="en-US" dirty="0" smtClean="0"/>
-              <a:t>add up to less than a </a:t>
-            </a:r>
-            <a:r>
-              <a:rPr lang="en-US" dirty="0" smtClean="0"/>
-              <a:t>bid</a:t>
-            </a:r>
-            <a:endParaRPr lang="en-US" dirty="0" smtClean="0"/>
+              <a:t>The ask add up to less than a bid</a:t>
+            </a:r>
           </a:p>
           <a:p>
             <a:pPr lvl="2"/>
@@ -4234,21 +4217,8 @@
             <a:pPr lvl="1"/>
             <a:r>
               <a:rPr lang="en-US" dirty="0" smtClean="0"/>
-              <a:t>The </a:t>
-            </a:r>
-            <a:r>
-              <a:rPr lang="en-US" dirty="0" smtClean="0"/>
-              <a:t>bid </a:t>
-            </a:r>
-            <a:r>
-              <a:rPr lang="en-US" dirty="0" smtClean="0"/>
-              <a:t>add up to more than </a:t>
-            </a:r>
-            <a:r>
-              <a:rPr lang="en-US" dirty="0" smtClean="0"/>
-              <a:t>an ask</a:t>
-            </a:r>
-            <a:endParaRPr lang="en-US" dirty="0" smtClean="0"/>
+              <a:t>The bid add up to more than an ask</a:t>
+            </a:r>
           </a:p>
           <a:p>
             <a:pPr lvl="2"/>
@@ -4407,15 +4377,7 @@
             </a:r>
             <a:r>
               <a:rPr lang="en-US" dirty="0" smtClean="0"/>
-              <a:t>n for </a:t>
-            </a:r>
-            <a:r>
-              <a:rPr lang="en-US" dirty="0" smtClean="0"/>
-              <a:t>a Specific  </a:t>
-            </a:r>
-            <a:r>
-              <a:rPr lang="en-US" dirty="0" smtClean="0"/>
-              <a:t>Example</a:t>
+              <a:t>n for a Specific  Example</a:t>
             </a:r>
             <a:endParaRPr lang="en-US" dirty="0"/>
           </a:p>
@@ -4477,11 +4439,7 @@
           <a:p>
             <a:r>
               <a:rPr lang="en-US" dirty="0" smtClean="0"/>
-              <a:t>Specific Example </a:t>
-            </a:r>
-            <a:r>
-              <a:rPr lang="en-US" dirty="0" smtClean="0"/>
-              <a:t>Continued</a:t>
+              <a:t>Specific Example Continued</a:t>
             </a:r>
             <a:endParaRPr lang="en-US" dirty="0"/>
           </a:p>
@@ -4500,13 +4458,13 @@
         <p:spPr/>
         <p:txBody>
           <a:bodyPr>
-            <a:normAutofit fontScale="77500" lnSpcReduction="20000"/>
+            <a:normAutofit fontScale="70000" lnSpcReduction="20000"/>
           </a:bodyPr>
           <a:lstStyle/>
           <a:p>
             <a:r>
               <a:rPr lang="en-US" dirty="0" smtClean="0"/>
-              <a:t>Buy the ask for -1.00 </a:t>
+              <a:t>Sell the bid for -1.00 </a:t>
             </a:r>
             <a:r>
               <a:rPr lang="en-US" dirty="0"/>
@@ -4520,12 +4478,8 @@
           </a:p>
           <a:p>
             <a:r>
-              <a:rPr lang="en-US" dirty="0"/>
-              <a:t>Buy the ask for </a:t>
-            </a:r>
-            <a:r>
-              <a:rPr lang="en-US" dirty="0" smtClean="0"/>
-              <a:t>-0.82 </a:t>
+              <a:rPr lang="en-US" dirty="0" smtClean="0"/>
+              <a:t>Sell the bid for -0.82 </a:t>
             </a:r>
             <a:r>
               <a:rPr lang="en-US" dirty="0"/>
@@ -4534,12 +4488,8 @@
           </a:p>
           <a:p>
             <a:r>
-              <a:rPr lang="en-US" dirty="0"/>
-              <a:t>Buy the ask for </a:t>
-            </a:r>
-            <a:r>
-              <a:rPr lang="en-US" dirty="0" smtClean="0"/>
-              <a:t>-0.65 </a:t>
+              <a:rPr lang="en-US" dirty="0" smtClean="0"/>
+              <a:t>Sell the bid for -0.65 </a:t>
             </a:r>
             <a:r>
               <a:rPr lang="en-US" dirty="0"/>
@@ -4549,7 +4499,15 @@
           <a:p>
             <a:r>
               <a:rPr lang="en-US" dirty="0"/>
-              <a:t>= Buy a synthetic +Jul/-Oct for -</a:t>
+              <a:t>= </a:t>
+            </a:r>
+            <a:r>
+              <a:rPr lang="en-US" dirty="0" smtClean="0"/>
+              <a:t>Sell a </a:t>
+            </a:r>
+            <a:r>
+              <a:rPr lang="en-US" dirty="0"/>
+              <a:t>synthetic +Jul/-Oct for -</a:t>
             </a:r>
             <a:r>
               <a:rPr lang="en-US" dirty="0" smtClean="0"/>
@@ -4560,21 +4518,21 @@
           <a:p>
             <a:r>
               <a:rPr lang="en-US" dirty="0" smtClean="0"/>
-              <a:t>The actual Jul/Oct spread is bid at -2.06</a:t>
+              <a:t>The actual Jul/Oct spread is offered at -2.06</a:t>
             </a:r>
           </a:p>
           <a:p>
             <a:pPr lvl="1"/>
             <a:r>
               <a:rPr lang="en-US" dirty="0" smtClean="0"/>
-              <a:t>However, let’s pretend the bid was -2.58 instead</a:t>
+              <a:t>However, let’s pretend the offer was -2.50 instead</a:t>
             </a:r>
           </a:p>
           <a:p>
             <a:pPr lvl="1"/>
             <a:r>
               <a:rPr lang="en-US" dirty="0" smtClean="0"/>
-              <a:t>Then we could sell the bid for -2.58</a:t>
+              <a:t>Then we could sell the bid for -2.50</a:t>
             </a:r>
             <a:endParaRPr lang="en-US" dirty="0"/>
           </a:p>
@@ -4585,7 +4543,7 @@
             </a:r>
             <a:r>
               <a:rPr lang="en-US" dirty="0" smtClean="0"/>
-              <a:t>2.58-2.47=$0.11/barrel</a:t>
+              <a:t>2.50-2.47=$0.03/barrel</a:t>
             </a:r>
             <a:endParaRPr lang="en-US" dirty="0"/>
           </a:p>
@@ -4596,7 +4554,7 @@
             </a:r>
             <a:r>
               <a:rPr lang="en-US" dirty="0" smtClean="0"/>
-              <a:t>1000 barrels*$0.11=$110 </a:t>
+              <a:t>1000 barrels*$0.03=$30 </a:t>
             </a:r>
             <a:r>
               <a:rPr lang="en-US" dirty="0"/>
@@ -4608,18 +4566,27 @@
             </a:r>
           </a:p>
           <a:p>
-            <a:pPr lvl="1"/>
-            <a:r>
-              <a:rPr lang="en-US" dirty="0" smtClean="0"/>
-              <a:t>The arbitrage can be done for max(contracts involved)=2</a:t>
+            <a:r>
+              <a:rPr lang="en-US" dirty="0" smtClean="0"/>
+              <a:t>The </a:t>
+            </a:r>
+            <a:r>
+              <a:rPr lang="en-US" dirty="0"/>
+              <a:t>transaction cost is </a:t>
+            </a:r>
+            <a:r>
+              <a:rPr lang="en-US" dirty="0" smtClean="0"/>
+              <a:t>12*$1.16 </a:t>
+            </a:r>
+            <a:r>
+              <a:rPr lang="en-US" dirty="0"/>
+              <a:t>= </a:t>
+            </a:r>
+            <a:r>
+              <a:rPr lang="en-US" dirty="0" smtClean="0"/>
+              <a:t>$13.92</a:t>
             </a:r>
             <a:endParaRPr lang="en-US" dirty="0"/>
-          </a:p>
-          <a:p>
-            <a:r>
-              <a:rPr lang="en-US" dirty="0"/>
-              <a:t>The transaction cost is 4*$25 = $100</a:t>
-            </a:r>
           </a:p>
           <a:p>
             <a:r>
@@ -4628,7 +4595,21 @@
             </a:r>
             <a:r>
               <a:rPr lang="en-US" dirty="0" smtClean="0"/>
-              <a:t>$10 profit/trade = $20 total</a:t>
+              <a:t>$15.08 profit/trade </a:t>
+            </a:r>
+          </a:p>
+          <a:p>
+            <a:r>
+              <a:rPr lang="en-US" dirty="0" smtClean="0"/>
+              <a:t>We can do this trade </a:t>
+            </a:r>
+            <a:r>
+              <a:rPr lang="en-US" dirty="0"/>
+              <a:t>max(contracts involved</a:t>
+            </a:r>
+            <a:r>
+              <a:rPr lang="en-US" dirty="0" smtClean="0"/>
+              <a:t>) = 2 times to give us $30.16</a:t>
             </a:r>
             <a:endParaRPr lang="en-US" dirty="0"/>
           </a:p>
@@ -4694,7 +4675,7 @@
           <a:p>
             <a:r>
               <a:rPr lang="en-US" dirty="0" smtClean="0"/>
-              <a:t>Questions – Exchanges/Symbols</a:t>
+              <a:t>Exchanges/Symbols</a:t>
             </a:r>
             <a:endParaRPr lang="en-US" dirty="0"/>
           </a:p>
@@ -4713,13 +4694,13 @@
         <p:spPr/>
         <p:txBody>
           <a:bodyPr>
-            <a:normAutofit fontScale="62500" lnSpcReduction="20000"/>
+            <a:normAutofit fontScale="70000" lnSpcReduction="20000"/>
           </a:bodyPr>
           <a:lstStyle/>
           <a:p>
             <a:r>
               <a:rPr lang="en-US" dirty="0" smtClean="0"/>
-              <a:t>What exchanges show we look at initially?</a:t>
+              <a:t>Initially we’ll look at the following exchanges</a:t>
             </a:r>
           </a:p>
           <a:p>
@@ -4738,9 +4719,19 @@
             <a:endParaRPr lang="en-US" dirty="0"/>
           </a:p>
           <a:p>
+            <a:pPr marL="342900" lvl="1" indent="-342900">
+              <a:buFont typeface="Arial" pitchFamily="34" charset="0"/>
+              <a:buChar char="•"/>
+            </a:pPr>
             <a:r>
               <a:rPr lang="en-US" dirty="0"/>
-              <a:t>What symbols?</a:t>
+              <a:t>The first symbol we’ll concentrate on is ICE, B</a:t>
+            </a:r>
+          </a:p>
+          <a:p>
+            <a:r>
+              <a:rPr lang="en-US" dirty="0"/>
+              <a:t>After that, we’ll roll it out to</a:t>
             </a:r>
           </a:p>
           <a:p>
@@ -4761,13 +4752,13 @@
             <a:pPr lvl="1"/>
             <a:r>
               <a:rPr lang="en-US" dirty="0"/>
-              <a:t>CME, WS, </a:t>
+              <a:t>ICE, B, </a:t>
             </a:r>
             <a:r>
               <a:rPr lang="en-US" dirty="0">
                 <a:hlinkClick r:id="rId3"/>
               </a:rPr>
-              <a:t>http://www.cmegroup.com/trading/energy/crude-oil/light-sweet-crude-cash-settled.html</a:t>
+              <a:t>https://www.theice.com/productguide/ProductDetails.shtml?specId=219</a:t>
             </a:r>
             <a:endParaRPr lang="en-US" dirty="0"/>
           </a:p>
@@ -4775,42 +4766,49 @@
             <a:pPr lvl="1"/>
             <a:r>
               <a:rPr lang="en-US" dirty="0"/>
-              <a:t>ICE, B, </a:t>
+              <a:t>ICE, T, </a:t>
             </a:r>
             <a:r>
               <a:rPr lang="en-US" dirty="0">
                 <a:hlinkClick r:id="rId4"/>
               </a:rPr>
-              <a:t>https://www.theice.com/productguide/ProductDetails.shtml?specId=219</a:t>
+              <a:t>https://www.theice.com/productguide/ProductDetails.shtml?specId=213</a:t>
             </a:r>
             <a:endParaRPr lang="en-US" dirty="0"/>
           </a:p>
           <a:p>
             <a:pPr lvl="1"/>
             <a:r>
-              <a:rPr lang="en-US" dirty="0" smtClean="0"/>
-              <a:t>ICE, T, </a:t>
-            </a:r>
-            <a:r>
-              <a:rPr lang="en-US" dirty="0" smtClean="0">
-                <a:hlinkClick r:id="rId5"/>
-              </a:rPr>
-              <a:t>https://www.theice.com/productguide/ProductDetails.shtml?specId=213</a:t>
-            </a:r>
-            <a:endParaRPr lang="en-US" dirty="0" smtClean="0"/>
-          </a:p>
-          <a:p>
-            <a:r>
-              <a:rPr lang="en-US" dirty="0" smtClean="0"/>
-              <a:t>Which symbol first?</a:t>
-            </a:r>
-          </a:p>
-          <a:p>
-            <a:pPr lvl="1"/>
-            <a:r>
-              <a:rPr lang="en-US" dirty="0" smtClean="0"/>
-              <a:t>ICE, B</a:t>
-            </a:r>
+              <a:rPr lang="en-US" dirty="0"/>
+              <a:t>CME, Brent</a:t>
+            </a:r>
+          </a:p>
+          <a:p>
+            <a:r>
+              <a:rPr lang="en-US" dirty="0" smtClean="0"/>
+              <a:t>Later on interest rates, EURIBOR</a:t>
+            </a:r>
+            <a:r>
+              <a:rPr lang="en-US" smtClean="0"/>
+              <a:t>, Euro Dollars</a:t>
+            </a:r>
+            <a:r>
+              <a:rPr lang="en-US" dirty="0" smtClean="0"/>
+              <a:t>, Short Sterling</a:t>
+            </a:r>
+            <a:endParaRPr lang="en-US" dirty="0"/>
+          </a:p>
+          <a:p>
+            <a:pPr marL="457200" lvl="1" indent="0">
+              <a:buNone/>
+            </a:pPr>
+            <a:endParaRPr lang="en-US" dirty="0"/>
+          </a:p>
+          <a:p>
+            <a:pPr marL="457200" lvl="1" indent="0">
+              <a:buNone/>
+            </a:pPr>
+            <a:endParaRPr lang="en-US" dirty="0"/>
           </a:p>
         </p:txBody>
       </p:sp>
@@ -4868,7 +4866,7 @@
           <a:p>
             <a:r>
               <a:rPr lang="en-US" dirty="0" smtClean="0"/>
-              <a:t>Questions - Terminology</a:t>
+              <a:t>Terminology</a:t>
             </a:r>
             <a:endParaRPr lang="en-US" dirty="0"/>
           </a:p>
@@ -4893,29 +4891,13 @@
           <a:p>
             <a:r>
               <a:rPr lang="en-US" dirty="0" smtClean="0"/>
-              <a:t>What is the opposite of synthetic?  </a:t>
-            </a:r>
-            <a:r>
-              <a:rPr lang="en-US" dirty="0" err="1" smtClean="0"/>
-              <a:t>Eg</a:t>
-            </a:r>
-            <a:r>
-              <a:rPr lang="en-US" dirty="0" smtClean="0"/>
-              <a:t> organic, but that’s not right.</a:t>
-            </a:r>
-          </a:p>
-          <a:p>
-            <a:r>
-              <a:rPr lang="en-US" dirty="0" smtClean="0"/>
-              <a:t>What is the opposite of implied? </a:t>
-            </a:r>
-            <a:r>
-              <a:rPr lang="en-US" dirty="0" err="1" smtClean="0"/>
-              <a:t>Eg</a:t>
-            </a:r>
-            <a:r>
-              <a:rPr lang="en-US" dirty="0" smtClean="0"/>
-              <a:t> not implied.</a:t>
+              <a:t>The opposite of an implied is paper or direct.</a:t>
+            </a:r>
+          </a:p>
+          <a:p>
+            <a:r>
+              <a:rPr lang="en-US" dirty="0" smtClean="0"/>
+              <a:t>A part of a spread, for example Jan in a Jan/Feb is called a side. </a:t>
             </a:r>
           </a:p>
         </p:txBody>
@@ -5134,7 +5116,6 @@
               <a:rPr lang="en-US" dirty="0" smtClean="0"/>
               <a:t>Gray – Outright Bid or Ask</a:t>
             </a:r>
-            <a:endParaRPr lang="en-US" dirty="0" smtClean="0"/>
           </a:p>
         </p:txBody>
       </p:sp>
@@ -5192,7 +5173,7 @@
           <a:p>
             <a:r>
               <a:rPr lang="en-US" dirty="0" smtClean="0"/>
-              <a:t>Questions</a:t>
+              <a:t>Goal</a:t>
             </a:r>
             <a:endParaRPr lang="en-US" dirty="0"/>
           </a:p>
@@ -5217,18 +5198,7 @@
           <a:p>
             <a:r>
               <a:rPr lang="en-US" dirty="0" smtClean="0"/>
-              <a:t>Is the goal to</a:t>
-            </a:r>
-          </a:p>
-          <a:p>
-            <a:pPr lvl="1"/>
-            <a:r>
-              <a:rPr lang="en-US" dirty="0"/>
-              <a:t>C</a:t>
-            </a:r>
-            <a:r>
-              <a:rPr lang="en-US" dirty="0" smtClean="0"/>
-              <a:t>reate fully neutral positions </a:t>
+              <a:t>Initially we want to create fully neutral positions </a:t>
             </a:r>
             <a:r>
               <a:rPr lang="en-US" dirty="0" err="1" smtClean="0"/>
@@ -5238,13 +5208,11 @@
               <a:rPr lang="en-US" dirty="0" smtClean="0"/>
               <a:t> +Jan, -Jan/+Feb, -Feb</a:t>
             </a:r>
-            <a:endParaRPr lang="en-US" dirty="0" smtClean="0"/>
-          </a:p>
-          <a:p>
-            <a:pPr lvl="1"/>
-            <a:r>
-              <a:rPr lang="en-US" dirty="0" smtClean="0"/>
-              <a:t>Create partially hedged positions </a:t>
+          </a:p>
+          <a:p>
+            <a:r>
+              <a:rPr lang="en-US" dirty="0" smtClean="0"/>
+              <a:t>Later we may want to create partially hedged positions </a:t>
             </a:r>
             <a:r>
               <a:rPr lang="en-US" dirty="0" err="1" smtClean="0"/>
@@ -5260,15 +5228,15 @@
             </a:r>
             <a:r>
               <a:rPr lang="en-US" dirty="0" smtClean="0"/>
-              <a:t> –Jan, +Feb, -Mar, +Apr</a:t>
-            </a:r>
-            <a:endParaRPr lang="en-US" dirty="0" smtClean="0"/>
-          </a:p>
-          <a:p>
-            <a:pPr lvl="1"/>
-            <a:r>
-              <a:rPr lang="en-US" dirty="0" smtClean="0"/>
-              <a:t>Both?</a:t>
+              <a:t> –Jan, +Feb, </a:t>
+            </a:r>
+            <a:r>
+              <a:rPr lang="en-US" dirty="0" smtClean="0"/>
+              <a:t>-Mar</a:t>
+            </a:r>
+            <a:r>
+              <a:rPr lang="en-US" dirty="0" smtClean="0"/>
+              <a:t>, +Apr</a:t>
             </a:r>
           </a:p>
         </p:txBody>
@@ -5557,15 +5525,7 @@
           <a:p>
             <a:r>
               <a:rPr lang="en-US" dirty="0" smtClean="0"/>
-              <a:t>Neutral Positions with Both the Underlying </a:t>
-            </a:r>
-            <a:r>
-              <a:rPr lang="en-US" dirty="0" smtClean="0"/>
-              <a:t>and </a:t>
-            </a:r>
-            <a:r>
-              <a:rPr lang="en-US" dirty="0" smtClean="0"/>
-              <a:t>Spread</a:t>
+              <a:t>Neutral Positions with Both the Underlying and Spread</a:t>
             </a:r>
             <a:endParaRPr lang="en-US" dirty="0"/>
           </a:p>
@@ -6103,7 +6063,6 @@
               <a:rPr lang="en-US" dirty="0"/>
               <a:t>Both the Underlying and Spread</a:t>
             </a:r>
-            <a:endParaRPr lang="en-US" dirty="0"/>
           </a:p>
         </p:txBody>
       </p:sp>
@@ -6443,7 +6402,6 @@
               <a:rPr lang="en-US" dirty="0"/>
               <a:t>Only</a:t>
             </a:r>
-            <a:endParaRPr lang="en-US" dirty="0"/>
           </a:p>
         </p:txBody>
       </p:sp>
@@ -7145,7 +7103,6 @@
               <a:rPr lang="en-US" dirty="0"/>
               <a:t>Spread Only</a:t>
             </a:r>
-            <a:endParaRPr lang="en-US" dirty="0"/>
           </a:p>
         </p:txBody>
       </p:sp>

--- a/doc/Implier - Arbitrage Examples.pptx
+++ b/doc/Implier - Arbitrage Examples.pptx
@@ -13,13 +13,12 @@
     <p:sldId id="304" r:id="rId7"/>
     <p:sldId id="302" r:id="rId8"/>
     <p:sldId id="305" r:id="rId9"/>
-    <p:sldId id="313" r:id="rId10"/>
-    <p:sldId id="303" r:id="rId11"/>
-    <p:sldId id="314" r:id="rId12"/>
-    <p:sldId id="296" r:id="rId13"/>
-    <p:sldId id="298" r:id="rId14"/>
-    <p:sldId id="300" r:id="rId15"/>
-    <p:sldId id="308" r:id="rId16"/>
+    <p:sldId id="303" r:id="rId10"/>
+    <p:sldId id="314" r:id="rId11"/>
+    <p:sldId id="296" r:id="rId12"/>
+    <p:sldId id="316" r:id="rId13"/>
+    <p:sldId id="300" r:id="rId14"/>
+    <p:sldId id="308" r:id="rId15"/>
   </p:sldIdLst>
   <p:sldSz cx="9144000" cy="6858000" type="screen4x3"/>
   <p:notesSz cx="6858000" cy="9144000"/>
@@ -3160,991 +3159,6 @@
           <a:chExt cx="0" cy="0"/>
         </a:xfrm>
       </p:grpSpPr>
-      <p:cxnSp>
-        <p:nvCxnSpPr>
-          <p:cNvPr id="42" name="Straight Connector 41"/>
-          <p:cNvCxnSpPr/>
-          <p:nvPr/>
-        </p:nvCxnSpPr>
-        <p:spPr>
-          <a:xfrm>
-            <a:off x="1676400" y="5377543"/>
-            <a:ext cx="1409700" cy="759281"/>
-          </a:xfrm>
-          <a:prstGeom prst="line">
-            <a:avLst/>
-          </a:prstGeom>
-          <a:ln/>
-        </p:spPr>
-        <p:style>
-          <a:lnRef idx="3">
-            <a:schemeClr val="dk1"/>
-          </a:lnRef>
-          <a:fillRef idx="0">
-            <a:schemeClr val="dk1"/>
-          </a:fillRef>
-          <a:effectRef idx="2">
-            <a:schemeClr val="dk1"/>
-          </a:effectRef>
-          <a:fontRef idx="minor">
-            <a:schemeClr val="tx1"/>
-          </a:fontRef>
-        </p:style>
-      </p:cxnSp>
-      <p:cxnSp>
-        <p:nvCxnSpPr>
-          <p:cNvPr id="45" name="Straight Connector 44"/>
-          <p:cNvCxnSpPr/>
-          <p:nvPr/>
-        </p:nvCxnSpPr>
-        <p:spPr>
-          <a:xfrm flipH="1">
-            <a:off x="3117396" y="5382986"/>
-            <a:ext cx="1240972" cy="753838"/>
-          </a:xfrm>
-          <a:prstGeom prst="line">
-            <a:avLst/>
-          </a:prstGeom>
-          <a:ln/>
-        </p:spPr>
-        <p:style>
-          <a:lnRef idx="3">
-            <a:schemeClr val="dk1"/>
-          </a:lnRef>
-          <a:fillRef idx="0">
-            <a:schemeClr val="dk1"/>
-          </a:fillRef>
-          <a:effectRef idx="2">
-            <a:schemeClr val="dk1"/>
-          </a:effectRef>
-          <a:fontRef idx="minor">
-            <a:schemeClr val="tx1"/>
-          </a:fontRef>
-        </p:style>
-      </p:cxnSp>
-      <p:cxnSp>
-        <p:nvCxnSpPr>
-          <p:cNvPr id="47" name="Straight Connector 46"/>
-          <p:cNvCxnSpPr>
-            <a:endCxn id="36" idx="2"/>
-          </p:cNvCxnSpPr>
-          <p:nvPr/>
-        </p:nvCxnSpPr>
-        <p:spPr>
-          <a:xfrm flipH="1" flipV="1">
-            <a:off x="4358368" y="4422324"/>
-            <a:ext cx="19050" cy="919843"/>
-          </a:xfrm>
-          <a:prstGeom prst="line">
-            <a:avLst/>
-          </a:prstGeom>
-          <a:ln/>
-        </p:spPr>
-        <p:style>
-          <a:lnRef idx="3">
-            <a:schemeClr val="dk1"/>
-          </a:lnRef>
-          <a:fillRef idx="0">
-            <a:schemeClr val="dk1"/>
-          </a:fillRef>
-          <a:effectRef idx="2">
-            <a:schemeClr val="dk1"/>
-          </a:effectRef>
-          <a:fontRef idx="minor">
-            <a:schemeClr val="tx1"/>
-          </a:fontRef>
-        </p:style>
-      </p:cxnSp>
-      <p:cxnSp>
-        <p:nvCxnSpPr>
-          <p:cNvPr id="29" name="Straight Connector 28"/>
-          <p:cNvCxnSpPr/>
-          <p:nvPr/>
-        </p:nvCxnSpPr>
-        <p:spPr>
-          <a:xfrm flipH="1">
-            <a:off x="4973411" y="4229100"/>
-            <a:ext cx="1918607" cy="2726"/>
-          </a:xfrm>
-          <a:prstGeom prst="line">
-            <a:avLst/>
-          </a:prstGeom>
-          <a:ln/>
-        </p:spPr>
-        <p:style>
-          <a:lnRef idx="3">
-            <a:schemeClr val="dk1"/>
-          </a:lnRef>
-          <a:fillRef idx="0">
-            <a:schemeClr val="dk1"/>
-          </a:fillRef>
-          <a:effectRef idx="2">
-            <a:schemeClr val="dk1"/>
-          </a:effectRef>
-          <a:fontRef idx="minor">
-            <a:schemeClr val="tx1"/>
-          </a:fontRef>
-        </p:style>
-      </p:cxnSp>
-      <p:cxnSp>
-        <p:nvCxnSpPr>
-          <p:cNvPr id="39" name="Straight Connector 38"/>
-          <p:cNvCxnSpPr/>
-          <p:nvPr/>
-        </p:nvCxnSpPr>
-        <p:spPr>
-          <a:xfrm flipH="1">
-            <a:off x="7244443" y="4250876"/>
-            <a:ext cx="1" cy="1251856"/>
-          </a:xfrm>
-          <a:prstGeom prst="line">
-            <a:avLst/>
-          </a:prstGeom>
-          <a:ln/>
-        </p:spPr>
-        <p:style>
-          <a:lnRef idx="3">
-            <a:schemeClr val="dk1"/>
-          </a:lnRef>
-          <a:fillRef idx="0">
-            <a:schemeClr val="dk1"/>
-          </a:fillRef>
-          <a:effectRef idx="2">
-            <a:schemeClr val="dk1"/>
-          </a:effectRef>
-          <a:fontRef idx="minor">
-            <a:schemeClr val="tx1"/>
-          </a:fontRef>
-        </p:style>
-      </p:cxnSp>
-      <p:cxnSp>
-        <p:nvCxnSpPr>
-          <p:cNvPr id="40" name="Straight Connector 39"/>
-          <p:cNvCxnSpPr/>
-          <p:nvPr/>
-        </p:nvCxnSpPr>
-        <p:spPr>
-          <a:xfrm>
-            <a:off x="5334000" y="4279450"/>
-            <a:ext cx="1725386" cy="1251856"/>
-          </a:xfrm>
-          <a:prstGeom prst="line">
-            <a:avLst/>
-          </a:prstGeom>
-          <a:ln/>
-        </p:spPr>
-        <p:style>
-          <a:lnRef idx="3">
-            <a:schemeClr val="dk1"/>
-          </a:lnRef>
-          <a:fillRef idx="0">
-            <a:schemeClr val="dk1"/>
-          </a:fillRef>
-          <a:effectRef idx="2">
-            <a:schemeClr val="dk1"/>
-          </a:effectRef>
-          <a:fontRef idx="minor">
-            <a:schemeClr val="tx1"/>
-          </a:fontRef>
-        </p:style>
-      </p:cxnSp>
-      <p:cxnSp>
-        <p:nvCxnSpPr>
-          <p:cNvPr id="18" name="Straight Connector 17"/>
-          <p:cNvCxnSpPr/>
-          <p:nvPr/>
-        </p:nvCxnSpPr>
-        <p:spPr>
-          <a:xfrm flipH="1">
-            <a:off x="1371600" y="1828800"/>
-            <a:ext cx="1" cy="1164772"/>
-          </a:xfrm>
-          <a:prstGeom prst="line">
-            <a:avLst/>
-          </a:prstGeom>
-          <a:ln/>
-        </p:spPr>
-        <p:style>
-          <a:lnRef idx="3">
-            <a:schemeClr val="dk1"/>
-          </a:lnRef>
-          <a:fillRef idx="0">
-            <a:schemeClr val="dk1"/>
-          </a:fillRef>
-          <a:effectRef idx="2">
-            <a:schemeClr val="dk1"/>
-          </a:effectRef>
-          <a:fontRef idx="minor">
-            <a:schemeClr val="tx1"/>
-          </a:fontRef>
-        </p:style>
-      </p:cxnSp>
-      <p:cxnSp>
-        <p:nvCxnSpPr>
-          <p:cNvPr id="66" name="Straight Connector 65"/>
-          <p:cNvCxnSpPr/>
-          <p:nvPr/>
-        </p:nvCxnSpPr>
-        <p:spPr>
-          <a:xfrm>
-            <a:off x="2117271" y="1926772"/>
-            <a:ext cx="1104900" cy="1066800"/>
-          </a:xfrm>
-          <a:prstGeom prst="line">
-            <a:avLst/>
-          </a:prstGeom>
-          <a:ln/>
-        </p:spPr>
-        <p:style>
-          <a:lnRef idx="3">
-            <a:schemeClr val="dk1"/>
-          </a:lnRef>
-          <a:fillRef idx="0">
-            <a:schemeClr val="dk1"/>
-          </a:fillRef>
-          <a:effectRef idx="2">
-            <a:schemeClr val="dk1"/>
-          </a:effectRef>
-          <a:fontRef idx="minor">
-            <a:schemeClr val="tx1"/>
-          </a:fontRef>
-        </p:style>
-      </p:cxnSp>
-      <p:cxnSp>
-        <p:nvCxnSpPr>
-          <p:cNvPr id="68" name="Straight Connector 67"/>
-          <p:cNvCxnSpPr/>
-          <p:nvPr/>
-        </p:nvCxnSpPr>
-        <p:spPr>
-          <a:xfrm>
-            <a:off x="2269671" y="1872343"/>
-            <a:ext cx="1695450" cy="1"/>
-          </a:xfrm>
-          <a:prstGeom prst="line">
-            <a:avLst/>
-          </a:prstGeom>
-          <a:ln/>
-        </p:spPr>
-        <p:style>
-          <a:lnRef idx="3">
-            <a:schemeClr val="dk1"/>
-          </a:lnRef>
-          <a:fillRef idx="0">
-            <a:schemeClr val="dk1"/>
-          </a:fillRef>
-          <a:effectRef idx="2">
-            <a:schemeClr val="dk1"/>
-          </a:effectRef>
-          <a:fontRef idx="minor">
-            <a:schemeClr val="tx1"/>
-          </a:fontRef>
-        </p:style>
-      </p:cxnSp>
-      <p:cxnSp>
-        <p:nvCxnSpPr>
-          <p:cNvPr id="71" name="Straight Connector 70"/>
-          <p:cNvCxnSpPr/>
-          <p:nvPr/>
-        </p:nvCxnSpPr>
-        <p:spPr>
-          <a:xfrm flipV="1">
-            <a:off x="7507061" y="1826079"/>
-            <a:ext cx="0" cy="1300841"/>
-          </a:xfrm>
-          <a:prstGeom prst="line">
-            <a:avLst/>
-          </a:prstGeom>
-          <a:ln/>
-        </p:spPr>
-        <p:style>
-          <a:lnRef idx="3">
-            <a:schemeClr val="dk1"/>
-          </a:lnRef>
-          <a:fillRef idx="0">
-            <a:schemeClr val="dk1"/>
-          </a:fillRef>
-          <a:effectRef idx="2">
-            <a:schemeClr val="dk1"/>
-          </a:effectRef>
-          <a:fontRef idx="minor">
-            <a:schemeClr val="tx1"/>
-          </a:fontRef>
-        </p:style>
-      </p:cxnSp>
-      <p:cxnSp>
-        <p:nvCxnSpPr>
-          <p:cNvPr id="72" name="Straight Connector 71"/>
-          <p:cNvCxnSpPr/>
-          <p:nvPr/>
-        </p:nvCxnSpPr>
-        <p:spPr>
-          <a:xfrm flipV="1">
-            <a:off x="5739493" y="1861456"/>
-            <a:ext cx="0" cy="1300841"/>
-          </a:xfrm>
-          <a:prstGeom prst="line">
-            <a:avLst/>
-          </a:prstGeom>
-          <a:ln/>
-        </p:spPr>
-        <p:style>
-          <a:lnRef idx="3">
-            <a:schemeClr val="dk1"/>
-          </a:lnRef>
-          <a:fillRef idx="0">
-            <a:schemeClr val="dk1"/>
-          </a:fillRef>
-          <a:effectRef idx="2">
-            <a:schemeClr val="dk1"/>
-          </a:effectRef>
-          <a:fontRef idx="minor">
-            <a:schemeClr val="tx1"/>
-          </a:fontRef>
-        </p:style>
-      </p:cxnSp>
-      <p:sp>
-        <p:nvSpPr>
-          <p:cNvPr id="2" name="Title 1"/>
-          <p:cNvSpPr>
-            <a:spLocks noGrp="1"/>
-          </p:cNvSpPr>
-          <p:nvPr>
-            <p:ph type="title"/>
-          </p:nvPr>
-        </p:nvSpPr>
-        <p:spPr/>
-        <p:txBody>
-          <a:bodyPr>
-            <a:normAutofit fontScale="90000"/>
-          </a:bodyPr>
-          <a:lstStyle/>
-          <a:p>
-            <a:r>
-              <a:rPr lang="en-US" dirty="0" smtClean="0"/>
-              <a:t>Neutral </a:t>
-            </a:r>
-            <a:r>
-              <a:rPr lang="en-US" dirty="0"/>
-              <a:t>Positions with Other MLEGs</a:t>
-            </a:r>
-          </a:p>
-        </p:txBody>
-      </p:sp>
-      <p:sp>
-        <p:nvSpPr>
-          <p:cNvPr id="24" name="Rounded Rectangle 23"/>
-          <p:cNvSpPr/>
-          <p:nvPr/>
-        </p:nvSpPr>
-        <p:spPr>
-          <a:xfrm>
-            <a:off x="3676650" y="1638300"/>
-            <a:ext cx="1295400" cy="381000"/>
-          </a:xfrm>
-          <a:prstGeom prst="roundRect">
-            <a:avLst/>
-          </a:prstGeom>
-        </p:spPr>
-        <p:style>
-          <a:lnRef idx="0">
-            <a:schemeClr val="accent1"/>
-          </a:lnRef>
-          <a:fillRef idx="3">
-            <a:schemeClr val="accent1"/>
-          </a:fillRef>
-          <a:effectRef idx="3">
-            <a:schemeClr val="accent1"/>
-          </a:effectRef>
-          <a:fontRef idx="minor">
-            <a:schemeClr val="lt1"/>
-          </a:fontRef>
-        </p:style>
-        <p:txBody>
-          <a:bodyPr rtlCol="0" anchor="ctr"/>
-          <a:lstStyle/>
-          <a:p>
-            <a:pPr algn="ctr"/>
-            <a:r>
-              <a:rPr lang="en-US" dirty="0" smtClean="0"/>
-              <a:t>-Mar</a:t>
-            </a:r>
-            <a:endParaRPr lang="en-US" dirty="0"/>
-          </a:p>
-        </p:txBody>
-      </p:sp>
-      <p:sp>
-        <p:nvSpPr>
-          <p:cNvPr id="25" name="Rounded Rectangle 24"/>
-          <p:cNvSpPr/>
-          <p:nvPr/>
-        </p:nvSpPr>
-        <p:spPr>
-          <a:xfrm>
-            <a:off x="1085851" y="1638300"/>
-            <a:ext cx="2231570" cy="381000"/>
-          </a:xfrm>
-          <a:prstGeom prst="roundRect">
-            <a:avLst/>
-          </a:prstGeom>
-        </p:spPr>
-        <p:style>
-          <a:lnRef idx="0">
-            <a:schemeClr val="accent1"/>
-          </a:lnRef>
-          <a:fillRef idx="3">
-            <a:schemeClr val="accent1"/>
-          </a:fillRef>
-          <a:effectRef idx="3">
-            <a:schemeClr val="accent1"/>
-          </a:effectRef>
-          <a:fontRef idx="minor">
-            <a:schemeClr val="lt1"/>
-          </a:fontRef>
-        </p:style>
-        <p:txBody>
-          <a:bodyPr rtlCol="0" anchor="ctr"/>
-          <a:lstStyle/>
-          <a:p>
-            <a:pPr algn="ctr"/>
-            <a:r>
-              <a:rPr lang="en-US" dirty="0" smtClean="0"/>
-              <a:t>+Jan/-Feb/+Mar</a:t>
-            </a:r>
-            <a:endParaRPr lang="en-US" dirty="0"/>
-          </a:p>
-        </p:txBody>
-      </p:sp>
-      <p:sp>
-        <p:nvSpPr>
-          <p:cNvPr id="26" name="Rounded Rectangle 25"/>
-          <p:cNvSpPr/>
-          <p:nvPr/>
-        </p:nvSpPr>
-        <p:spPr>
-          <a:xfrm>
-            <a:off x="2669721" y="2857500"/>
-            <a:ext cx="1295400" cy="381000"/>
-          </a:xfrm>
-          <a:prstGeom prst="roundRect">
-            <a:avLst/>
-          </a:prstGeom>
-        </p:spPr>
-        <p:style>
-          <a:lnRef idx="0">
-            <a:schemeClr val="accent1"/>
-          </a:lnRef>
-          <a:fillRef idx="3">
-            <a:schemeClr val="accent1"/>
-          </a:fillRef>
-          <a:effectRef idx="3">
-            <a:schemeClr val="accent1"/>
-          </a:effectRef>
-          <a:fontRef idx="minor">
-            <a:schemeClr val="lt1"/>
-          </a:fontRef>
-        </p:style>
-        <p:txBody>
-          <a:bodyPr rtlCol="0" anchor="ctr"/>
-          <a:lstStyle/>
-          <a:p>
-            <a:pPr algn="ctr"/>
-            <a:r>
-              <a:rPr lang="en-US" dirty="0" smtClean="0"/>
-              <a:t>+Feb</a:t>
-            </a:r>
-            <a:endParaRPr lang="en-US" dirty="0"/>
-          </a:p>
-        </p:txBody>
-      </p:sp>
-      <p:sp>
-        <p:nvSpPr>
-          <p:cNvPr id="32" name="Rounded Rectangle 31"/>
-          <p:cNvSpPr/>
-          <p:nvPr/>
-        </p:nvSpPr>
-        <p:spPr>
-          <a:xfrm>
-            <a:off x="5167993" y="2936421"/>
-            <a:ext cx="1295400" cy="381000"/>
-          </a:xfrm>
-          <a:prstGeom prst="roundRect">
-            <a:avLst/>
-          </a:prstGeom>
-        </p:spPr>
-        <p:style>
-          <a:lnRef idx="0">
-            <a:schemeClr val="accent1"/>
-          </a:lnRef>
-          <a:fillRef idx="3">
-            <a:schemeClr val="accent1"/>
-          </a:fillRef>
-          <a:effectRef idx="3">
-            <a:schemeClr val="accent1"/>
-          </a:effectRef>
-          <a:fontRef idx="minor">
-            <a:schemeClr val="lt1"/>
-          </a:fontRef>
-        </p:style>
-        <p:txBody>
-          <a:bodyPr rtlCol="0" anchor="ctr"/>
-          <a:lstStyle/>
-          <a:p>
-            <a:pPr algn="ctr"/>
-            <a:r>
-              <a:rPr lang="en-US" dirty="0" smtClean="0"/>
-              <a:t>-Jan/+Feb</a:t>
-            </a:r>
-            <a:endParaRPr lang="en-US" dirty="0"/>
-          </a:p>
-        </p:txBody>
-      </p:sp>
-      <p:sp>
-        <p:nvSpPr>
-          <p:cNvPr id="33" name="Rounded Rectangle 32"/>
-          <p:cNvSpPr/>
-          <p:nvPr/>
-        </p:nvSpPr>
-        <p:spPr>
-          <a:xfrm>
-            <a:off x="5434693" y="1635578"/>
-            <a:ext cx="2914650" cy="381000"/>
-          </a:xfrm>
-          <a:prstGeom prst="roundRect">
-            <a:avLst/>
-          </a:prstGeom>
-        </p:spPr>
-        <p:style>
-          <a:lnRef idx="0">
-            <a:schemeClr val="accent1"/>
-          </a:lnRef>
-          <a:fillRef idx="3">
-            <a:schemeClr val="accent1"/>
-          </a:fillRef>
-          <a:effectRef idx="3">
-            <a:schemeClr val="accent1"/>
-          </a:effectRef>
-          <a:fontRef idx="minor">
-            <a:schemeClr val="lt1"/>
-          </a:fontRef>
-        </p:style>
-        <p:txBody>
-          <a:bodyPr rtlCol="0" anchor="ctr"/>
-          <a:lstStyle/>
-          <a:p>
-            <a:pPr algn="ctr"/>
-            <a:r>
-              <a:rPr lang="en-US" dirty="0" smtClean="0"/>
-              <a:t>+Jan/-Feb/+Mar/-Apr</a:t>
-            </a:r>
-            <a:endParaRPr lang="en-US" dirty="0"/>
-          </a:p>
-        </p:txBody>
-      </p:sp>
-      <p:sp>
-        <p:nvSpPr>
-          <p:cNvPr id="35" name="Rounded Rectangle 34"/>
-          <p:cNvSpPr/>
-          <p:nvPr/>
-        </p:nvSpPr>
-        <p:spPr>
-          <a:xfrm>
-            <a:off x="7059386" y="2936421"/>
-            <a:ext cx="1295400" cy="381000"/>
-          </a:xfrm>
-          <a:prstGeom prst="roundRect">
-            <a:avLst/>
-          </a:prstGeom>
-        </p:spPr>
-        <p:style>
-          <a:lnRef idx="0">
-            <a:schemeClr val="accent1"/>
-          </a:lnRef>
-          <a:fillRef idx="3">
-            <a:schemeClr val="accent1"/>
-          </a:fillRef>
-          <a:effectRef idx="3">
-            <a:schemeClr val="accent1"/>
-          </a:effectRef>
-          <a:fontRef idx="minor">
-            <a:schemeClr val="lt1"/>
-          </a:fontRef>
-        </p:style>
-        <p:txBody>
-          <a:bodyPr rtlCol="0" anchor="ctr"/>
-          <a:lstStyle/>
-          <a:p>
-            <a:pPr algn="ctr"/>
-            <a:r>
-              <a:rPr lang="en-US" dirty="0" smtClean="0"/>
-              <a:t>-Mar/+Apr</a:t>
-            </a:r>
-            <a:endParaRPr lang="en-US" dirty="0"/>
-          </a:p>
-        </p:txBody>
-      </p:sp>
-      <p:sp>
-        <p:nvSpPr>
-          <p:cNvPr id="17" name="Rounded Rectangle 16"/>
-          <p:cNvSpPr/>
-          <p:nvPr/>
-        </p:nvSpPr>
-        <p:spPr>
-          <a:xfrm>
-            <a:off x="685800" y="2819400"/>
-            <a:ext cx="1295400" cy="381000"/>
-          </a:xfrm>
-          <a:prstGeom prst="roundRect">
-            <a:avLst/>
-          </a:prstGeom>
-        </p:spPr>
-        <p:style>
-          <a:lnRef idx="0">
-            <a:schemeClr val="accent1"/>
-          </a:lnRef>
-          <a:fillRef idx="3">
-            <a:schemeClr val="accent1"/>
-          </a:fillRef>
-          <a:effectRef idx="3">
-            <a:schemeClr val="accent1"/>
-          </a:effectRef>
-          <a:fontRef idx="minor">
-            <a:schemeClr val="lt1"/>
-          </a:fontRef>
-        </p:style>
-        <p:txBody>
-          <a:bodyPr rtlCol="0" anchor="ctr"/>
-          <a:lstStyle/>
-          <a:p>
-            <a:pPr algn="ctr"/>
-            <a:r>
-              <a:rPr lang="en-US" dirty="0" smtClean="0"/>
-              <a:t>-Jan</a:t>
-            </a:r>
-            <a:endParaRPr lang="en-US" dirty="0"/>
-          </a:p>
-        </p:txBody>
-      </p:sp>
-      <p:cxnSp>
-        <p:nvCxnSpPr>
-          <p:cNvPr id="30" name="Straight Connector 29"/>
-          <p:cNvCxnSpPr/>
-          <p:nvPr/>
-        </p:nvCxnSpPr>
-        <p:spPr>
-          <a:xfrm flipV="1">
-            <a:off x="1524000" y="4267203"/>
-            <a:ext cx="1681843" cy="1074964"/>
-          </a:xfrm>
-          <a:prstGeom prst="line">
-            <a:avLst/>
-          </a:prstGeom>
-          <a:ln/>
-        </p:spPr>
-        <p:style>
-          <a:lnRef idx="3">
-            <a:schemeClr val="dk1"/>
-          </a:lnRef>
-          <a:fillRef idx="0">
-            <a:schemeClr val="dk1"/>
-          </a:fillRef>
-          <a:effectRef idx="2">
-            <a:schemeClr val="dk1"/>
-          </a:effectRef>
-          <a:fontRef idx="minor">
-            <a:schemeClr val="tx1"/>
-          </a:fontRef>
-        </p:style>
-      </p:cxnSp>
-      <p:sp>
-        <p:nvSpPr>
-          <p:cNvPr id="31" name="Rounded Rectangle 30"/>
-          <p:cNvSpPr/>
-          <p:nvPr/>
-        </p:nvSpPr>
-        <p:spPr>
-          <a:xfrm>
-            <a:off x="1034143" y="5187043"/>
-            <a:ext cx="1295400" cy="381000"/>
-          </a:xfrm>
-          <a:prstGeom prst="roundRect">
-            <a:avLst/>
-          </a:prstGeom>
-        </p:spPr>
-        <p:style>
-          <a:lnRef idx="0">
-            <a:schemeClr val="accent1"/>
-          </a:lnRef>
-          <a:fillRef idx="3">
-            <a:schemeClr val="accent1"/>
-          </a:fillRef>
-          <a:effectRef idx="3">
-            <a:schemeClr val="accent1"/>
-          </a:effectRef>
-          <a:fontRef idx="minor">
-            <a:schemeClr val="lt1"/>
-          </a:fontRef>
-        </p:style>
-        <p:txBody>
-          <a:bodyPr rtlCol="0" anchor="ctr"/>
-          <a:lstStyle/>
-          <a:p>
-            <a:pPr algn="ctr"/>
-            <a:r>
-              <a:rPr lang="en-US" dirty="0" smtClean="0"/>
-              <a:t>-Jan/+May</a:t>
-            </a:r>
-            <a:endParaRPr lang="en-US" dirty="0"/>
-          </a:p>
-        </p:txBody>
-      </p:sp>
-      <p:sp>
-        <p:nvSpPr>
-          <p:cNvPr id="36" name="Rounded Rectangle 35"/>
-          <p:cNvSpPr/>
-          <p:nvPr/>
-        </p:nvSpPr>
-        <p:spPr>
-          <a:xfrm>
-            <a:off x="2901043" y="4041324"/>
-            <a:ext cx="2914650" cy="381000"/>
-          </a:xfrm>
-          <a:prstGeom prst="roundRect">
-            <a:avLst/>
-          </a:prstGeom>
-        </p:spPr>
-        <p:style>
-          <a:lnRef idx="0">
-            <a:schemeClr val="accent1"/>
-          </a:lnRef>
-          <a:fillRef idx="3">
-            <a:schemeClr val="accent1"/>
-          </a:fillRef>
-          <a:effectRef idx="3">
-            <a:schemeClr val="accent1"/>
-          </a:effectRef>
-          <a:fontRef idx="minor">
-            <a:schemeClr val="lt1"/>
-          </a:fontRef>
-        </p:style>
-        <p:txBody>
-          <a:bodyPr rtlCol="0" anchor="ctr"/>
-          <a:lstStyle/>
-          <a:p>
-            <a:pPr algn="ctr"/>
-            <a:r>
-              <a:rPr lang="en-US" dirty="0" smtClean="0"/>
-              <a:t>+Jan/-Feb/+Mar/-Apr</a:t>
-            </a:r>
-            <a:endParaRPr lang="en-US" dirty="0"/>
-          </a:p>
-        </p:txBody>
-      </p:sp>
-      <p:sp>
-        <p:nvSpPr>
-          <p:cNvPr id="37" name="Rounded Rectangle 36"/>
-          <p:cNvSpPr/>
-          <p:nvPr/>
-        </p:nvSpPr>
-        <p:spPr>
-          <a:xfrm>
-            <a:off x="6629400" y="4038600"/>
-            <a:ext cx="1295400" cy="381000"/>
-          </a:xfrm>
-          <a:prstGeom prst="roundRect">
-            <a:avLst/>
-          </a:prstGeom>
-        </p:spPr>
-        <p:style>
-          <a:lnRef idx="0">
-            <a:schemeClr val="accent1"/>
-          </a:lnRef>
-          <a:fillRef idx="3">
-            <a:schemeClr val="accent1"/>
-          </a:fillRef>
-          <a:effectRef idx="3">
-            <a:schemeClr val="accent1"/>
-          </a:effectRef>
-          <a:fontRef idx="minor">
-            <a:schemeClr val="lt1"/>
-          </a:fontRef>
-        </p:style>
-        <p:txBody>
-          <a:bodyPr rtlCol="0" anchor="ctr"/>
-          <a:lstStyle/>
-          <a:p>
-            <a:pPr algn="ctr"/>
-            <a:r>
-              <a:rPr lang="en-US" dirty="0" smtClean="0"/>
-              <a:t>-Mar/+Dec</a:t>
-            </a:r>
-            <a:endParaRPr lang="en-US" dirty="0"/>
-          </a:p>
-        </p:txBody>
-      </p:sp>
-      <p:sp>
-        <p:nvSpPr>
-          <p:cNvPr id="38" name="Rounded Rectangle 37"/>
-          <p:cNvSpPr/>
-          <p:nvPr/>
-        </p:nvSpPr>
-        <p:spPr>
-          <a:xfrm>
-            <a:off x="6629400" y="5312232"/>
-            <a:ext cx="1295400" cy="381000"/>
-          </a:xfrm>
-          <a:prstGeom prst="roundRect">
-            <a:avLst/>
-          </a:prstGeom>
-        </p:spPr>
-        <p:style>
-          <a:lnRef idx="0">
-            <a:schemeClr val="accent1"/>
-          </a:lnRef>
-          <a:fillRef idx="3">
-            <a:schemeClr val="accent1"/>
-          </a:fillRef>
-          <a:effectRef idx="3">
-            <a:schemeClr val="accent1"/>
-          </a:effectRef>
-          <a:fontRef idx="minor">
-            <a:schemeClr val="lt1"/>
-          </a:fontRef>
-        </p:style>
-        <p:txBody>
-          <a:bodyPr rtlCol="0" anchor="ctr"/>
-          <a:lstStyle/>
-          <a:p>
-            <a:pPr algn="ctr"/>
-            <a:r>
-              <a:rPr lang="en-US" dirty="0" smtClean="0"/>
-              <a:t>+Apr/-Dec</a:t>
-            </a:r>
-            <a:endParaRPr lang="en-US" dirty="0"/>
-          </a:p>
-        </p:txBody>
-      </p:sp>
-      <p:sp>
-        <p:nvSpPr>
-          <p:cNvPr id="41" name="Rounded Rectangle 40"/>
-          <p:cNvSpPr/>
-          <p:nvPr/>
-        </p:nvSpPr>
-        <p:spPr>
-          <a:xfrm>
-            <a:off x="2438400" y="5946324"/>
-            <a:ext cx="1295400" cy="381000"/>
-          </a:xfrm>
-          <a:prstGeom prst="roundRect">
-            <a:avLst/>
-          </a:prstGeom>
-        </p:spPr>
-        <p:style>
-          <a:lnRef idx="0">
-            <a:schemeClr val="accent1"/>
-          </a:lnRef>
-          <a:fillRef idx="3">
-            <a:schemeClr val="accent1"/>
-          </a:fillRef>
-          <a:effectRef idx="3">
-            <a:schemeClr val="accent1"/>
-          </a:effectRef>
-          <a:fontRef idx="minor">
-            <a:schemeClr val="lt1"/>
-          </a:fontRef>
-        </p:style>
-        <p:txBody>
-          <a:bodyPr rtlCol="0" anchor="ctr"/>
-          <a:lstStyle/>
-          <a:p>
-            <a:pPr algn="ctr"/>
-            <a:r>
-              <a:rPr lang="en-US" dirty="0" smtClean="0"/>
-              <a:t>-May/+Jun</a:t>
-            </a:r>
-            <a:endParaRPr lang="en-US" dirty="0"/>
-          </a:p>
-        </p:txBody>
-      </p:sp>
-      <p:sp>
-        <p:nvSpPr>
-          <p:cNvPr id="44" name="Rounded Rectangle 43"/>
-          <p:cNvSpPr/>
-          <p:nvPr/>
-        </p:nvSpPr>
-        <p:spPr>
-          <a:xfrm>
-            <a:off x="3710668" y="5192486"/>
-            <a:ext cx="1295400" cy="381000"/>
-          </a:xfrm>
-          <a:prstGeom prst="roundRect">
-            <a:avLst/>
-          </a:prstGeom>
-        </p:spPr>
-        <p:style>
-          <a:lnRef idx="0">
-            <a:schemeClr val="accent1"/>
-          </a:lnRef>
-          <a:fillRef idx="3">
-            <a:schemeClr val="accent1"/>
-          </a:fillRef>
-          <a:effectRef idx="3">
-            <a:schemeClr val="accent1"/>
-          </a:effectRef>
-          <a:fontRef idx="minor">
-            <a:schemeClr val="lt1"/>
-          </a:fontRef>
-        </p:style>
-        <p:txBody>
-          <a:bodyPr rtlCol="0" anchor="ctr"/>
-          <a:lstStyle/>
-          <a:p>
-            <a:pPr algn="ctr"/>
-            <a:r>
-              <a:rPr lang="en-US" dirty="0" smtClean="0"/>
-              <a:t>+Feb/-Jun</a:t>
-            </a:r>
-            <a:endParaRPr lang="en-US" dirty="0"/>
-          </a:p>
-        </p:txBody>
-      </p:sp>
-    </p:spTree>
-    <p:extLst>
-      <p:ext uri="{BB962C8B-B14F-4D97-AF65-F5344CB8AC3E}">
-        <p14:creationId xmlns:p14="http://schemas.microsoft.com/office/powerpoint/2010/main" val="2047382393"/>
-      </p:ext>
-    </p:extLst>
-  </p:cSld>
-  <p:clrMapOvr>
-    <a:masterClrMapping/>
-  </p:clrMapOvr>
-  <p:timing>
-    <p:tnLst>
-      <p:par>
-        <p:cTn xmlns:p14="http://schemas.microsoft.com/office/powerpoint/2010/main" id="1" dur="indefinite" restart="never" nodeType="tmRoot"/>
-      </p:par>
-    </p:tnLst>
-  </p:timing>
-</p:sld>
-</file>
-
-<file path=ppt/slides/slide11.xml><?xml version="1.0" encoding="utf-8"?>
-<p:sld xmlns:a="http://schemas.openxmlformats.org/drawingml/2006/main" xmlns:r="http://schemas.openxmlformats.org/officeDocument/2006/relationships" xmlns:p="http://schemas.openxmlformats.org/presentationml/2006/main">
-  <p:cSld>
-    <p:spTree>
-      <p:nvGrpSpPr>
-        <p:cNvPr id="1" name=""/>
-        <p:cNvGrpSpPr/>
-        <p:nvPr/>
-      </p:nvGrpSpPr>
-      <p:grpSpPr>
-        <a:xfrm>
-          <a:off x="0" y="0"/>
-          <a:ext cx="0" cy="0"/>
-          <a:chOff x="0" y="0"/>
-          <a:chExt cx="0" cy="0"/>
-        </a:xfrm>
-      </p:grpSpPr>
       <p:sp>
         <p:nvSpPr>
           <p:cNvPr id="2" name="Title 1"/>
@@ -4269,7 +3283,7 @@
 </p:sld>
 </file>
 
-<file path=ppt/slides/slide12.xml><?xml version="1.0" encoding="utf-8"?>
+<file path=ppt/slides/slide11.xml><?xml version="1.0" encoding="utf-8"?>
 <p:sld xmlns:a="http://schemas.openxmlformats.org/drawingml/2006/main" xmlns:r="http://schemas.openxmlformats.org/officeDocument/2006/relationships" xmlns:p="http://schemas.openxmlformats.org/presentationml/2006/main">
   <p:cSld>
     <p:spTree>
@@ -4403,7 +3417,7 @@
 </p:sld>
 </file>
 
-<file path=ppt/slides/slide13.xml><?xml version="1.0" encoding="utf-8"?>
+<file path=ppt/slides/slide12.xml><?xml version="1.0" encoding="utf-8"?>
 <p:sld xmlns:a="http://schemas.openxmlformats.org/drawingml/2006/main" xmlns:r="http://schemas.openxmlformats.org/officeDocument/2006/relationships" xmlns:p="http://schemas.openxmlformats.org/presentationml/2006/main">
   <p:cSld>
     <p:spTree>
@@ -4624,7 +3638,7 @@
     </p:spTree>
     <p:extLst>
       <p:ext uri="{BB962C8B-B14F-4D97-AF65-F5344CB8AC3E}">
-        <p14:creationId xmlns:p14="http://schemas.microsoft.com/office/powerpoint/2010/main" val="367974794"/>
+        <p14:creationId xmlns:p14="http://schemas.microsoft.com/office/powerpoint/2010/main" val="1461974087"/>
       </p:ext>
     </p:extLst>
   </p:cSld>
@@ -4641,7 +3655,7 @@
 </p:sld>
 </file>
 
-<file path=ppt/slides/slide14.xml><?xml version="1.0" encoding="utf-8"?>
+<file path=ppt/slides/slide13.xml><?xml version="1.0" encoding="utf-8"?>
 <p:sld xmlns:a="http://schemas.openxmlformats.org/drawingml/2006/main" xmlns:r="http://schemas.openxmlformats.org/officeDocument/2006/relationships" xmlns:p="http://schemas.openxmlformats.org/presentationml/2006/main">
   <p:cSld>
     <p:spTree>
@@ -4832,7 +3846,7 @@
 </p:sld>
 </file>
 
-<file path=ppt/slides/slide15.xml><?xml version="1.0" encoding="utf-8"?>
+<file path=ppt/slides/slide14.xml><?xml version="1.0" encoding="utf-8"?>
 <p:sld xmlns:a="http://schemas.openxmlformats.org/drawingml/2006/main" xmlns:r="http://schemas.openxmlformats.org/officeDocument/2006/relationships" xmlns:p="http://schemas.openxmlformats.org/presentationml/2006/main">
   <p:cSld>
     <p:spTree>
@@ -5102,20 +4116,55 @@
           <a:p>
             <a:r>
               <a:rPr lang="en-US" dirty="0" smtClean="0"/>
-              <a:t>Light Red – Combination of Implied Bid and Bid</a:t>
-            </a:r>
-          </a:p>
-          <a:p>
-            <a:r>
-              <a:rPr lang="en-US" dirty="0" smtClean="0"/>
-              <a:t>Light Blue – Combination of Implied Ask and Ask</a:t>
-            </a:r>
-          </a:p>
-          <a:p>
-            <a:r>
-              <a:rPr lang="en-US" dirty="0" smtClean="0"/>
-              <a:t>Gray – Outright Bid or Ask</a:t>
-            </a:r>
+              <a:t>Light </a:t>
+            </a:r>
+            <a:r>
+              <a:rPr lang="en-US" smtClean="0"/>
+              <a:t>Red </a:t>
+            </a:r>
+            <a:r>
+              <a:rPr lang="en-US" smtClean="0"/>
+              <a:t>– Implied </a:t>
+            </a:r>
+            <a:r>
+              <a:rPr lang="en-US" dirty="0" smtClean="0"/>
+              <a:t>Bid</a:t>
+            </a:r>
+          </a:p>
+          <a:p>
+            <a:r>
+              <a:rPr lang="en-US" dirty="0" smtClean="0"/>
+              <a:t>Light </a:t>
+            </a:r>
+            <a:r>
+              <a:rPr lang="en-US" dirty="0" smtClean="0"/>
+              <a:t>Blue </a:t>
+            </a:r>
+            <a:r>
+              <a:rPr lang="en-US" dirty="0" smtClean="0"/>
+              <a:t>– Implied Ask</a:t>
+            </a:r>
+          </a:p>
+          <a:p>
+            <a:r>
+              <a:rPr lang="en-US" dirty="0" smtClean="0"/>
+              <a:t>Gray </a:t>
+            </a:r>
+            <a:r>
+              <a:rPr lang="en-US" dirty="0" smtClean="0"/>
+              <a:t>– Outright Bid or Ask</a:t>
+            </a:r>
+          </a:p>
+          <a:p>
+            <a:r>
+              <a:rPr lang="en-US" dirty="0" smtClean="0"/>
+              <a:t>White – </a:t>
+            </a:r>
+            <a:r>
+              <a:rPr lang="en-US" dirty="0" smtClean="0"/>
+              <a:t>Combination of direct and implied</a:t>
+            </a:r>
+            <a:endParaRPr lang="en-US" dirty="0" smtClean="0"/>
           </a:p>
         </p:txBody>
       </p:sp>
@@ -5228,15 +4277,7 @@
             </a:r>
             <a:r>
               <a:rPr lang="en-US" dirty="0" smtClean="0"/>
-              <a:t> –Jan, +Feb, </a:t>
-            </a:r>
-            <a:r>
-              <a:rPr lang="en-US" dirty="0" smtClean="0"/>
-              <a:t>-Mar</a:t>
-            </a:r>
-            <a:r>
-              <a:rPr lang="en-US" dirty="0" smtClean="0"/>
-              <a:t>, +Apr</a:t>
+              <a:t> -Jan, +Feb, -Mar, +Apr</a:t>
             </a:r>
           </a:p>
         </p:txBody>
@@ -7175,6 +6216,349 @@
           <a:chExt cx="0" cy="0"/>
         </a:xfrm>
       </p:grpSpPr>
+      <p:cxnSp>
+        <p:nvCxnSpPr>
+          <p:cNvPr id="42" name="Straight Connector 41"/>
+          <p:cNvCxnSpPr/>
+          <p:nvPr/>
+        </p:nvCxnSpPr>
+        <p:spPr>
+          <a:xfrm>
+            <a:off x="1676400" y="5377543"/>
+            <a:ext cx="1409700" cy="759281"/>
+          </a:xfrm>
+          <a:prstGeom prst="line">
+            <a:avLst/>
+          </a:prstGeom>
+          <a:ln/>
+        </p:spPr>
+        <p:style>
+          <a:lnRef idx="3">
+            <a:schemeClr val="dk1"/>
+          </a:lnRef>
+          <a:fillRef idx="0">
+            <a:schemeClr val="dk1"/>
+          </a:fillRef>
+          <a:effectRef idx="2">
+            <a:schemeClr val="dk1"/>
+          </a:effectRef>
+          <a:fontRef idx="minor">
+            <a:schemeClr val="tx1"/>
+          </a:fontRef>
+        </p:style>
+      </p:cxnSp>
+      <p:cxnSp>
+        <p:nvCxnSpPr>
+          <p:cNvPr id="45" name="Straight Connector 44"/>
+          <p:cNvCxnSpPr/>
+          <p:nvPr/>
+        </p:nvCxnSpPr>
+        <p:spPr>
+          <a:xfrm flipH="1">
+            <a:off x="3117396" y="5382986"/>
+            <a:ext cx="1240972" cy="753838"/>
+          </a:xfrm>
+          <a:prstGeom prst="line">
+            <a:avLst/>
+          </a:prstGeom>
+          <a:ln/>
+        </p:spPr>
+        <p:style>
+          <a:lnRef idx="3">
+            <a:schemeClr val="dk1"/>
+          </a:lnRef>
+          <a:fillRef idx="0">
+            <a:schemeClr val="dk1"/>
+          </a:fillRef>
+          <a:effectRef idx="2">
+            <a:schemeClr val="dk1"/>
+          </a:effectRef>
+          <a:fontRef idx="minor">
+            <a:schemeClr val="tx1"/>
+          </a:fontRef>
+        </p:style>
+      </p:cxnSp>
+      <p:cxnSp>
+        <p:nvCxnSpPr>
+          <p:cNvPr id="47" name="Straight Connector 46"/>
+          <p:cNvCxnSpPr>
+            <a:endCxn id="36" idx="2"/>
+          </p:cNvCxnSpPr>
+          <p:nvPr/>
+        </p:nvCxnSpPr>
+        <p:spPr>
+          <a:xfrm flipH="1" flipV="1">
+            <a:off x="4358368" y="4422324"/>
+            <a:ext cx="19050" cy="919843"/>
+          </a:xfrm>
+          <a:prstGeom prst="line">
+            <a:avLst/>
+          </a:prstGeom>
+          <a:ln/>
+        </p:spPr>
+        <p:style>
+          <a:lnRef idx="3">
+            <a:schemeClr val="dk1"/>
+          </a:lnRef>
+          <a:fillRef idx="0">
+            <a:schemeClr val="dk1"/>
+          </a:fillRef>
+          <a:effectRef idx="2">
+            <a:schemeClr val="dk1"/>
+          </a:effectRef>
+          <a:fontRef idx="minor">
+            <a:schemeClr val="tx1"/>
+          </a:fontRef>
+        </p:style>
+      </p:cxnSp>
+      <p:cxnSp>
+        <p:nvCxnSpPr>
+          <p:cNvPr id="29" name="Straight Connector 28"/>
+          <p:cNvCxnSpPr/>
+          <p:nvPr/>
+        </p:nvCxnSpPr>
+        <p:spPr>
+          <a:xfrm flipH="1">
+            <a:off x="4973411" y="4229100"/>
+            <a:ext cx="1918607" cy="2726"/>
+          </a:xfrm>
+          <a:prstGeom prst="line">
+            <a:avLst/>
+          </a:prstGeom>
+          <a:ln/>
+        </p:spPr>
+        <p:style>
+          <a:lnRef idx="3">
+            <a:schemeClr val="dk1"/>
+          </a:lnRef>
+          <a:fillRef idx="0">
+            <a:schemeClr val="dk1"/>
+          </a:fillRef>
+          <a:effectRef idx="2">
+            <a:schemeClr val="dk1"/>
+          </a:effectRef>
+          <a:fontRef idx="minor">
+            <a:schemeClr val="tx1"/>
+          </a:fontRef>
+        </p:style>
+      </p:cxnSp>
+      <p:cxnSp>
+        <p:nvCxnSpPr>
+          <p:cNvPr id="39" name="Straight Connector 38"/>
+          <p:cNvCxnSpPr/>
+          <p:nvPr/>
+        </p:nvCxnSpPr>
+        <p:spPr>
+          <a:xfrm flipH="1">
+            <a:off x="7244443" y="4250876"/>
+            <a:ext cx="1" cy="1251856"/>
+          </a:xfrm>
+          <a:prstGeom prst="line">
+            <a:avLst/>
+          </a:prstGeom>
+          <a:ln/>
+        </p:spPr>
+        <p:style>
+          <a:lnRef idx="3">
+            <a:schemeClr val="dk1"/>
+          </a:lnRef>
+          <a:fillRef idx="0">
+            <a:schemeClr val="dk1"/>
+          </a:fillRef>
+          <a:effectRef idx="2">
+            <a:schemeClr val="dk1"/>
+          </a:effectRef>
+          <a:fontRef idx="minor">
+            <a:schemeClr val="tx1"/>
+          </a:fontRef>
+        </p:style>
+      </p:cxnSp>
+      <p:cxnSp>
+        <p:nvCxnSpPr>
+          <p:cNvPr id="40" name="Straight Connector 39"/>
+          <p:cNvCxnSpPr/>
+          <p:nvPr/>
+        </p:nvCxnSpPr>
+        <p:spPr>
+          <a:xfrm>
+            <a:off x="5334000" y="4279450"/>
+            <a:ext cx="1725386" cy="1251856"/>
+          </a:xfrm>
+          <a:prstGeom prst="line">
+            <a:avLst/>
+          </a:prstGeom>
+          <a:ln/>
+        </p:spPr>
+        <p:style>
+          <a:lnRef idx="3">
+            <a:schemeClr val="dk1"/>
+          </a:lnRef>
+          <a:fillRef idx="0">
+            <a:schemeClr val="dk1"/>
+          </a:fillRef>
+          <a:effectRef idx="2">
+            <a:schemeClr val="dk1"/>
+          </a:effectRef>
+          <a:fontRef idx="minor">
+            <a:schemeClr val="tx1"/>
+          </a:fontRef>
+        </p:style>
+      </p:cxnSp>
+      <p:cxnSp>
+        <p:nvCxnSpPr>
+          <p:cNvPr id="18" name="Straight Connector 17"/>
+          <p:cNvCxnSpPr/>
+          <p:nvPr/>
+        </p:nvCxnSpPr>
+        <p:spPr>
+          <a:xfrm flipH="1">
+            <a:off x="1371600" y="1828800"/>
+            <a:ext cx="1" cy="1164772"/>
+          </a:xfrm>
+          <a:prstGeom prst="line">
+            <a:avLst/>
+          </a:prstGeom>
+          <a:ln/>
+        </p:spPr>
+        <p:style>
+          <a:lnRef idx="3">
+            <a:schemeClr val="dk1"/>
+          </a:lnRef>
+          <a:fillRef idx="0">
+            <a:schemeClr val="dk1"/>
+          </a:fillRef>
+          <a:effectRef idx="2">
+            <a:schemeClr val="dk1"/>
+          </a:effectRef>
+          <a:fontRef idx="minor">
+            <a:schemeClr val="tx1"/>
+          </a:fontRef>
+        </p:style>
+      </p:cxnSp>
+      <p:cxnSp>
+        <p:nvCxnSpPr>
+          <p:cNvPr id="66" name="Straight Connector 65"/>
+          <p:cNvCxnSpPr/>
+          <p:nvPr/>
+        </p:nvCxnSpPr>
+        <p:spPr>
+          <a:xfrm>
+            <a:off x="2117271" y="1926772"/>
+            <a:ext cx="1104900" cy="1066800"/>
+          </a:xfrm>
+          <a:prstGeom prst="line">
+            <a:avLst/>
+          </a:prstGeom>
+          <a:ln/>
+        </p:spPr>
+        <p:style>
+          <a:lnRef idx="3">
+            <a:schemeClr val="dk1"/>
+          </a:lnRef>
+          <a:fillRef idx="0">
+            <a:schemeClr val="dk1"/>
+          </a:fillRef>
+          <a:effectRef idx="2">
+            <a:schemeClr val="dk1"/>
+          </a:effectRef>
+          <a:fontRef idx="minor">
+            <a:schemeClr val="tx1"/>
+          </a:fontRef>
+        </p:style>
+      </p:cxnSp>
+      <p:cxnSp>
+        <p:nvCxnSpPr>
+          <p:cNvPr id="68" name="Straight Connector 67"/>
+          <p:cNvCxnSpPr/>
+          <p:nvPr/>
+        </p:nvCxnSpPr>
+        <p:spPr>
+          <a:xfrm>
+            <a:off x="2269671" y="1872343"/>
+            <a:ext cx="1695450" cy="1"/>
+          </a:xfrm>
+          <a:prstGeom prst="line">
+            <a:avLst/>
+          </a:prstGeom>
+          <a:ln/>
+        </p:spPr>
+        <p:style>
+          <a:lnRef idx="3">
+            <a:schemeClr val="dk1"/>
+          </a:lnRef>
+          <a:fillRef idx="0">
+            <a:schemeClr val="dk1"/>
+          </a:fillRef>
+          <a:effectRef idx="2">
+            <a:schemeClr val="dk1"/>
+          </a:effectRef>
+          <a:fontRef idx="minor">
+            <a:schemeClr val="tx1"/>
+          </a:fontRef>
+        </p:style>
+      </p:cxnSp>
+      <p:cxnSp>
+        <p:nvCxnSpPr>
+          <p:cNvPr id="71" name="Straight Connector 70"/>
+          <p:cNvCxnSpPr/>
+          <p:nvPr/>
+        </p:nvCxnSpPr>
+        <p:spPr>
+          <a:xfrm flipV="1">
+            <a:off x="7507061" y="1826079"/>
+            <a:ext cx="0" cy="1300841"/>
+          </a:xfrm>
+          <a:prstGeom prst="line">
+            <a:avLst/>
+          </a:prstGeom>
+          <a:ln/>
+        </p:spPr>
+        <p:style>
+          <a:lnRef idx="3">
+            <a:schemeClr val="dk1"/>
+          </a:lnRef>
+          <a:fillRef idx="0">
+            <a:schemeClr val="dk1"/>
+          </a:fillRef>
+          <a:effectRef idx="2">
+            <a:schemeClr val="dk1"/>
+          </a:effectRef>
+          <a:fontRef idx="minor">
+            <a:schemeClr val="tx1"/>
+          </a:fontRef>
+        </p:style>
+      </p:cxnSp>
+      <p:cxnSp>
+        <p:nvCxnSpPr>
+          <p:cNvPr id="72" name="Straight Connector 71"/>
+          <p:cNvCxnSpPr/>
+          <p:nvPr/>
+        </p:nvCxnSpPr>
+        <p:spPr>
+          <a:xfrm flipV="1">
+            <a:off x="5739493" y="1861456"/>
+            <a:ext cx="0" cy="1300841"/>
+          </a:xfrm>
+          <a:prstGeom prst="line">
+            <a:avLst/>
+          </a:prstGeom>
+          <a:ln/>
+        </p:spPr>
+        <p:style>
+          <a:lnRef idx="3">
+            <a:schemeClr val="dk1"/>
+          </a:lnRef>
+          <a:fillRef idx="0">
+            <a:schemeClr val="dk1"/>
+          </a:fillRef>
+          <a:effectRef idx="2">
+            <a:schemeClr val="dk1"/>
+          </a:effectRef>
+          <a:fontRef idx="minor">
+            <a:schemeClr val="tx1"/>
+          </a:fontRef>
+        </p:style>
+      </p:cxnSp>
       <p:sp>
         <p:nvSpPr>
           <p:cNvPr id="2" name="Title 1"/>
@@ -7187,12 +6571,26 @@
         </p:nvSpPr>
         <p:spPr/>
         <p:txBody>
-          <a:bodyPr/>
-          <a:lstStyle/>
-          <a:p>
-            <a:r>
-              <a:rPr lang="en-US" dirty="0" smtClean="0"/>
-              <a:t>Questions – Butterflies, etc.</a:t>
+          <a:bodyPr>
+            <a:normAutofit fontScale="90000"/>
+          </a:bodyPr>
+          <a:lstStyle/>
+          <a:p>
+            <a:r>
+              <a:rPr lang="en-US" dirty="0" smtClean="0"/>
+              <a:t>Neutral </a:t>
+            </a:r>
+            <a:r>
+              <a:rPr lang="en-US" dirty="0"/>
+              <a:t>Positions with </a:t>
+            </a:r>
+            <a:r>
+              <a:rPr lang="en-US"/>
+              <a:t>Other </a:t>
+            </a:r>
+            <a:r>
+              <a:rPr lang="en-US" smtClean="0"/>
+              <a:t>Butterflies and Condors</a:t>
             </a:r>
             <a:endParaRPr lang="en-US" dirty="0"/>
           </a:p>
@@ -7200,38 +6598,585 @@
       </p:sp>
       <p:sp>
         <p:nvSpPr>
-          <p:cNvPr id="3" name="Content Placeholder 2"/>
-          <p:cNvSpPr>
-            <a:spLocks noGrp="1"/>
-          </p:cNvSpPr>
-          <p:nvPr>
-            <p:ph idx="1"/>
-          </p:nvPr>
-        </p:nvSpPr>
-        <p:spPr/>
-        <p:txBody>
-          <a:bodyPr>
-            <a:normAutofit/>
-          </a:bodyPr>
-          <a:lstStyle/>
-          <a:p>
-            <a:r>
-              <a:rPr lang="en-US" dirty="0" smtClean="0"/>
-              <a:t>Do we want to trade butterflies, condors, etc. now?</a:t>
-            </a:r>
-          </a:p>
-          <a:p>
-            <a:r>
-              <a:rPr lang="en-US" dirty="0" smtClean="0"/>
-              <a:t>Does the exchange imply with these instruments as well as the spreads?</a:t>
-            </a:r>
+          <p:cNvPr id="24" name="Rounded Rectangle 23"/>
+          <p:cNvSpPr/>
+          <p:nvPr/>
+        </p:nvSpPr>
+        <p:spPr>
+          <a:xfrm>
+            <a:off x="3676650" y="1638300"/>
+            <a:ext cx="1295400" cy="381000"/>
+          </a:xfrm>
+          <a:prstGeom prst="roundRect">
+            <a:avLst/>
+          </a:prstGeom>
+        </p:spPr>
+        <p:style>
+          <a:lnRef idx="0">
+            <a:schemeClr val="accent1"/>
+          </a:lnRef>
+          <a:fillRef idx="3">
+            <a:schemeClr val="accent1"/>
+          </a:fillRef>
+          <a:effectRef idx="3">
+            <a:schemeClr val="accent1"/>
+          </a:effectRef>
+          <a:fontRef idx="minor">
+            <a:schemeClr val="lt1"/>
+          </a:fontRef>
+        </p:style>
+        <p:txBody>
+          <a:bodyPr rtlCol="0" anchor="ctr"/>
+          <a:lstStyle/>
+          <a:p>
+            <a:pPr algn="ctr"/>
+            <a:r>
+              <a:rPr lang="en-US" dirty="0" smtClean="0"/>
+              <a:t>-Mar</a:t>
+            </a:r>
+            <a:endParaRPr lang="en-US" dirty="0"/>
+          </a:p>
+        </p:txBody>
+      </p:sp>
+      <p:sp>
+        <p:nvSpPr>
+          <p:cNvPr id="25" name="Rounded Rectangle 24"/>
+          <p:cNvSpPr/>
+          <p:nvPr/>
+        </p:nvSpPr>
+        <p:spPr>
+          <a:xfrm>
+            <a:off x="1085851" y="1638300"/>
+            <a:ext cx="2231570" cy="381000"/>
+          </a:xfrm>
+          <a:prstGeom prst="roundRect">
+            <a:avLst/>
+          </a:prstGeom>
+        </p:spPr>
+        <p:style>
+          <a:lnRef idx="0">
+            <a:schemeClr val="accent1"/>
+          </a:lnRef>
+          <a:fillRef idx="3">
+            <a:schemeClr val="accent1"/>
+          </a:fillRef>
+          <a:effectRef idx="3">
+            <a:schemeClr val="accent1"/>
+          </a:effectRef>
+          <a:fontRef idx="minor">
+            <a:schemeClr val="lt1"/>
+          </a:fontRef>
+        </p:style>
+        <p:txBody>
+          <a:bodyPr rtlCol="0" anchor="ctr"/>
+          <a:lstStyle/>
+          <a:p>
+            <a:pPr algn="ctr"/>
+            <a:r>
+              <a:rPr lang="en-US" dirty="0" smtClean="0"/>
+              <a:t>+Jan/-Feb/+Mar</a:t>
+            </a:r>
+            <a:endParaRPr lang="en-US" dirty="0"/>
+          </a:p>
+        </p:txBody>
+      </p:sp>
+      <p:sp>
+        <p:nvSpPr>
+          <p:cNvPr id="26" name="Rounded Rectangle 25"/>
+          <p:cNvSpPr/>
+          <p:nvPr/>
+        </p:nvSpPr>
+        <p:spPr>
+          <a:xfrm>
+            <a:off x="2669721" y="2857500"/>
+            <a:ext cx="1295400" cy="381000"/>
+          </a:xfrm>
+          <a:prstGeom prst="roundRect">
+            <a:avLst/>
+          </a:prstGeom>
+        </p:spPr>
+        <p:style>
+          <a:lnRef idx="0">
+            <a:schemeClr val="accent1"/>
+          </a:lnRef>
+          <a:fillRef idx="3">
+            <a:schemeClr val="accent1"/>
+          </a:fillRef>
+          <a:effectRef idx="3">
+            <a:schemeClr val="accent1"/>
+          </a:effectRef>
+          <a:fontRef idx="minor">
+            <a:schemeClr val="lt1"/>
+          </a:fontRef>
+        </p:style>
+        <p:txBody>
+          <a:bodyPr rtlCol="0" anchor="ctr"/>
+          <a:lstStyle/>
+          <a:p>
+            <a:pPr algn="ctr"/>
+            <a:r>
+              <a:rPr lang="en-US" dirty="0" smtClean="0"/>
+              <a:t>+Feb</a:t>
+            </a:r>
+            <a:endParaRPr lang="en-US" dirty="0"/>
+          </a:p>
+        </p:txBody>
+      </p:sp>
+      <p:sp>
+        <p:nvSpPr>
+          <p:cNvPr id="32" name="Rounded Rectangle 31"/>
+          <p:cNvSpPr/>
+          <p:nvPr/>
+        </p:nvSpPr>
+        <p:spPr>
+          <a:xfrm>
+            <a:off x="5167993" y="2936421"/>
+            <a:ext cx="1295400" cy="381000"/>
+          </a:xfrm>
+          <a:prstGeom prst="roundRect">
+            <a:avLst/>
+          </a:prstGeom>
+        </p:spPr>
+        <p:style>
+          <a:lnRef idx="0">
+            <a:schemeClr val="accent1"/>
+          </a:lnRef>
+          <a:fillRef idx="3">
+            <a:schemeClr val="accent1"/>
+          </a:fillRef>
+          <a:effectRef idx="3">
+            <a:schemeClr val="accent1"/>
+          </a:effectRef>
+          <a:fontRef idx="minor">
+            <a:schemeClr val="lt1"/>
+          </a:fontRef>
+        </p:style>
+        <p:txBody>
+          <a:bodyPr rtlCol="0" anchor="ctr"/>
+          <a:lstStyle/>
+          <a:p>
+            <a:pPr algn="ctr"/>
+            <a:r>
+              <a:rPr lang="en-US" dirty="0" smtClean="0"/>
+              <a:t>-Jan/+Feb</a:t>
+            </a:r>
+            <a:endParaRPr lang="en-US" dirty="0"/>
+          </a:p>
+        </p:txBody>
+      </p:sp>
+      <p:sp>
+        <p:nvSpPr>
+          <p:cNvPr id="33" name="Rounded Rectangle 32"/>
+          <p:cNvSpPr/>
+          <p:nvPr/>
+        </p:nvSpPr>
+        <p:spPr>
+          <a:xfrm>
+            <a:off x="5434693" y="1635578"/>
+            <a:ext cx="2914650" cy="381000"/>
+          </a:xfrm>
+          <a:prstGeom prst="roundRect">
+            <a:avLst/>
+          </a:prstGeom>
+        </p:spPr>
+        <p:style>
+          <a:lnRef idx="0">
+            <a:schemeClr val="accent1"/>
+          </a:lnRef>
+          <a:fillRef idx="3">
+            <a:schemeClr val="accent1"/>
+          </a:fillRef>
+          <a:effectRef idx="3">
+            <a:schemeClr val="accent1"/>
+          </a:effectRef>
+          <a:fontRef idx="minor">
+            <a:schemeClr val="lt1"/>
+          </a:fontRef>
+        </p:style>
+        <p:txBody>
+          <a:bodyPr rtlCol="0" anchor="ctr"/>
+          <a:lstStyle/>
+          <a:p>
+            <a:pPr algn="ctr"/>
+            <a:r>
+              <a:rPr lang="en-US" dirty="0" smtClean="0"/>
+              <a:t>+Jan/-Feb/+Mar/-Apr</a:t>
+            </a:r>
+            <a:endParaRPr lang="en-US" dirty="0"/>
+          </a:p>
+        </p:txBody>
+      </p:sp>
+      <p:sp>
+        <p:nvSpPr>
+          <p:cNvPr id="35" name="Rounded Rectangle 34"/>
+          <p:cNvSpPr/>
+          <p:nvPr/>
+        </p:nvSpPr>
+        <p:spPr>
+          <a:xfrm>
+            <a:off x="7059386" y="2936421"/>
+            <a:ext cx="1295400" cy="381000"/>
+          </a:xfrm>
+          <a:prstGeom prst="roundRect">
+            <a:avLst/>
+          </a:prstGeom>
+        </p:spPr>
+        <p:style>
+          <a:lnRef idx="0">
+            <a:schemeClr val="accent1"/>
+          </a:lnRef>
+          <a:fillRef idx="3">
+            <a:schemeClr val="accent1"/>
+          </a:fillRef>
+          <a:effectRef idx="3">
+            <a:schemeClr val="accent1"/>
+          </a:effectRef>
+          <a:fontRef idx="minor">
+            <a:schemeClr val="lt1"/>
+          </a:fontRef>
+        </p:style>
+        <p:txBody>
+          <a:bodyPr rtlCol="0" anchor="ctr"/>
+          <a:lstStyle/>
+          <a:p>
+            <a:pPr algn="ctr"/>
+            <a:r>
+              <a:rPr lang="en-US" dirty="0" smtClean="0"/>
+              <a:t>-Mar/+Apr</a:t>
+            </a:r>
+            <a:endParaRPr lang="en-US" dirty="0"/>
+          </a:p>
+        </p:txBody>
+      </p:sp>
+      <p:sp>
+        <p:nvSpPr>
+          <p:cNvPr id="17" name="Rounded Rectangle 16"/>
+          <p:cNvSpPr/>
+          <p:nvPr/>
+        </p:nvSpPr>
+        <p:spPr>
+          <a:xfrm>
+            <a:off x="685800" y="2819400"/>
+            <a:ext cx="1295400" cy="381000"/>
+          </a:xfrm>
+          <a:prstGeom prst="roundRect">
+            <a:avLst/>
+          </a:prstGeom>
+        </p:spPr>
+        <p:style>
+          <a:lnRef idx="0">
+            <a:schemeClr val="accent1"/>
+          </a:lnRef>
+          <a:fillRef idx="3">
+            <a:schemeClr val="accent1"/>
+          </a:fillRef>
+          <a:effectRef idx="3">
+            <a:schemeClr val="accent1"/>
+          </a:effectRef>
+          <a:fontRef idx="minor">
+            <a:schemeClr val="lt1"/>
+          </a:fontRef>
+        </p:style>
+        <p:txBody>
+          <a:bodyPr rtlCol="0" anchor="ctr"/>
+          <a:lstStyle/>
+          <a:p>
+            <a:pPr algn="ctr"/>
+            <a:r>
+              <a:rPr lang="en-US" dirty="0" smtClean="0"/>
+              <a:t>-Jan</a:t>
+            </a:r>
+            <a:endParaRPr lang="en-US" dirty="0"/>
+          </a:p>
+        </p:txBody>
+      </p:sp>
+      <p:cxnSp>
+        <p:nvCxnSpPr>
+          <p:cNvPr id="30" name="Straight Connector 29"/>
+          <p:cNvCxnSpPr/>
+          <p:nvPr/>
+        </p:nvCxnSpPr>
+        <p:spPr>
+          <a:xfrm flipV="1">
+            <a:off x="1524000" y="4267203"/>
+            <a:ext cx="1681843" cy="1074964"/>
+          </a:xfrm>
+          <a:prstGeom prst="line">
+            <a:avLst/>
+          </a:prstGeom>
+          <a:ln/>
+        </p:spPr>
+        <p:style>
+          <a:lnRef idx="3">
+            <a:schemeClr val="dk1"/>
+          </a:lnRef>
+          <a:fillRef idx="0">
+            <a:schemeClr val="dk1"/>
+          </a:fillRef>
+          <a:effectRef idx="2">
+            <a:schemeClr val="dk1"/>
+          </a:effectRef>
+          <a:fontRef idx="minor">
+            <a:schemeClr val="tx1"/>
+          </a:fontRef>
+        </p:style>
+      </p:cxnSp>
+      <p:sp>
+        <p:nvSpPr>
+          <p:cNvPr id="31" name="Rounded Rectangle 30"/>
+          <p:cNvSpPr/>
+          <p:nvPr/>
+        </p:nvSpPr>
+        <p:spPr>
+          <a:xfrm>
+            <a:off x="1034143" y="5187043"/>
+            <a:ext cx="1295400" cy="381000"/>
+          </a:xfrm>
+          <a:prstGeom prst="roundRect">
+            <a:avLst/>
+          </a:prstGeom>
+        </p:spPr>
+        <p:style>
+          <a:lnRef idx="0">
+            <a:schemeClr val="accent1"/>
+          </a:lnRef>
+          <a:fillRef idx="3">
+            <a:schemeClr val="accent1"/>
+          </a:fillRef>
+          <a:effectRef idx="3">
+            <a:schemeClr val="accent1"/>
+          </a:effectRef>
+          <a:fontRef idx="minor">
+            <a:schemeClr val="lt1"/>
+          </a:fontRef>
+        </p:style>
+        <p:txBody>
+          <a:bodyPr rtlCol="0" anchor="ctr"/>
+          <a:lstStyle/>
+          <a:p>
+            <a:pPr algn="ctr"/>
+            <a:r>
+              <a:rPr lang="en-US" dirty="0" smtClean="0"/>
+              <a:t>-Jan/+May</a:t>
+            </a:r>
+            <a:endParaRPr lang="en-US" dirty="0"/>
+          </a:p>
+        </p:txBody>
+      </p:sp>
+      <p:sp>
+        <p:nvSpPr>
+          <p:cNvPr id="36" name="Rounded Rectangle 35"/>
+          <p:cNvSpPr/>
+          <p:nvPr/>
+        </p:nvSpPr>
+        <p:spPr>
+          <a:xfrm>
+            <a:off x="2901043" y="4041324"/>
+            <a:ext cx="2914650" cy="381000"/>
+          </a:xfrm>
+          <a:prstGeom prst="roundRect">
+            <a:avLst/>
+          </a:prstGeom>
+        </p:spPr>
+        <p:style>
+          <a:lnRef idx="0">
+            <a:schemeClr val="accent1"/>
+          </a:lnRef>
+          <a:fillRef idx="3">
+            <a:schemeClr val="accent1"/>
+          </a:fillRef>
+          <a:effectRef idx="3">
+            <a:schemeClr val="accent1"/>
+          </a:effectRef>
+          <a:fontRef idx="minor">
+            <a:schemeClr val="lt1"/>
+          </a:fontRef>
+        </p:style>
+        <p:txBody>
+          <a:bodyPr rtlCol="0" anchor="ctr"/>
+          <a:lstStyle/>
+          <a:p>
+            <a:pPr algn="ctr"/>
+            <a:r>
+              <a:rPr lang="en-US" dirty="0" smtClean="0"/>
+              <a:t>+Jan/-Feb/+Mar/-Apr</a:t>
+            </a:r>
+            <a:endParaRPr lang="en-US" dirty="0"/>
+          </a:p>
+        </p:txBody>
+      </p:sp>
+      <p:sp>
+        <p:nvSpPr>
+          <p:cNvPr id="37" name="Rounded Rectangle 36"/>
+          <p:cNvSpPr/>
+          <p:nvPr/>
+        </p:nvSpPr>
+        <p:spPr>
+          <a:xfrm>
+            <a:off x="6629400" y="4038600"/>
+            <a:ext cx="1295400" cy="381000"/>
+          </a:xfrm>
+          <a:prstGeom prst="roundRect">
+            <a:avLst/>
+          </a:prstGeom>
+        </p:spPr>
+        <p:style>
+          <a:lnRef idx="0">
+            <a:schemeClr val="accent1"/>
+          </a:lnRef>
+          <a:fillRef idx="3">
+            <a:schemeClr val="accent1"/>
+          </a:fillRef>
+          <a:effectRef idx="3">
+            <a:schemeClr val="accent1"/>
+          </a:effectRef>
+          <a:fontRef idx="minor">
+            <a:schemeClr val="lt1"/>
+          </a:fontRef>
+        </p:style>
+        <p:txBody>
+          <a:bodyPr rtlCol="0" anchor="ctr"/>
+          <a:lstStyle/>
+          <a:p>
+            <a:pPr algn="ctr"/>
+            <a:r>
+              <a:rPr lang="en-US" dirty="0" smtClean="0"/>
+              <a:t>-Mar/+Dec</a:t>
+            </a:r>
+            <a:endParaRPr lang="en-US" dirty="0"/>
+          </a:p>
+        </p:txBody>
+      </p:sp>
+      <p:sp>
+        <p:nvSpPr>
+          <p:cNvPr id="38" name="Rounded Rectangle 37"/>
+          <p:cNvSpPr/>
+          <p:nvPr/>
+        </p:nvSpPr>
+        <p:spPr>
+          <a:xfrm>
+            <a:off x="6629400" y="5312232"/>
+            <a:ext cx="1295400" cy="381000"/>
+          </a:xfrm>
+          <a:prstGeom prst="roundRect">
+            <a:avLst/>
+          </a:prstGeom>
+        </p:spPr>
+        <p:style>
+          <a:lnRef idx="0">
+            <a:schemeClr val="accent1"/>
+          </a:lnRef>
+          <a:fillRef idx="3">
+            <a:schemeClr val="accent1"/>
+          </a:fillRef>
+          <a:effectRef idx="3">
+            <a:schemeClr val="accent1"/>
+          </a:effectRef>
+          <a:fontRef idx="minor">
+            <a:schemeClr val="lt1"/>
+          </a:fontRef>
+        </p:style>
+        <p:txBody>
+          <a:bodyPr rtlCol="0" anchor="ctr"/>
+          <a:lstStyle/>
+          <a:p>
+            <a:pPr algn="ctr"/>
+            <a:r>
+              <a:rPr lang="en-US" dirty="0" smtClean="0"/>
+              <a:t>+Apr/-Dec</a:t>
+            </a:r>
+            <a:endParaRPr lang="en-US" dirty="0"/>
+          </a:p>
+        </p:txBody>
+      </p:sp>
+      <p:sp>
+        <p:nvSpPr>
+          <p:cNvPr id="41" name="Rounded Rectangle 40"/>
+          <p:cNvSpPr/>
+          <p:nvPr/>
+        </p:nvSpPr>
+        <p:spPr>
+          <a:xfrm>
+            <a:off x="2438400" y="5946324"/>
+            <a:ext cx="1295400" cy="381000"/>
+          </a:xfrm>
+          <a:prstGeom prst="roundRect">
+            <a:avLst/>
+          </a:prstGeom>
+        </p:spPr>
+        <p:style>
+          <a:lnRef idx="0">
+            <a:schemeClr val="accent1"/>
+          </a:lnRef>
+          <a:fillRef idx="3">
+            <a:schemeClr val="accent1"/>
+          </a:fillRef>
+          <a:effectRef idx="3">
+            <a:schemeClr val="accent1"/>
+          </a:effectRef>
+          <a:fontRef idx="minor">
+            <a:schemeClr val="lt1"/>
+          </a:fontRef>
+        </p:style>
+        <p:txBody>
+          <a:bodyPr rtlCol="0" anchor="ctr"/>
+          <a:lstStyle/>
+          <a:p>
+            <a:pPr algn="ctr"/>
+            <a:r>
+              <a:rPr lang="en-US" dirty="0" smtClean="0"/>
+              <a:t>-May/+Jun</a:t>
+            </a:r>
+            <a:endParaRPr lang="en-US" dirty="0"/>
+          </a:p>
+        </p:txBody>
+      </p:sp>
+      <p:sp>
+        <p:nvSpPr>
+          <p:cNvPr id="44" name="Rounded Rectangle 43"/>
+          <p:cNvSpPr/>
+          <p:nvPr/>
+        </p:nvSpPr>
+        <p:spPr>
+          <a:xfrm>
+            <a:off x="3710668" y="5192486"/>
+            <a:ext cx="1295400" cy="381000"/>
+          </a:xfrm>
+          <a:prstGeom prst="roundRect">
+            <a:avLst/>
+          </a:prstGeom>
+        </p:spPr>
+        <p:style>
+          <a:lnRef idx="0">
+            <a:schemeClr val="accent1"/>
+          </a:lnRef>
+          <a:fillRef idx="3">
+            <a:schemeClr val="accent1"/>
+          </a:fillRef>
+          <a:effectRef idx="3">
+            <a:schemeClr val="accent1"/>
+          </a:effectRef>
+          <a:fontRef idx="minor">
+            <a:schemeClr val="lt1"/>
+          </a:fontRef>
+        </p:style>
+        <p:txBody>
+          <a:bodyPr rtlCol="0" anchor="ctr"/>
+          <a:lstStyle/>
+          <a:p>
+            <a:pPr algn="ctr"/>
+            <a:r>
+              <a:rPr lang="en-US" dirty="0" smtClean="0"/>
+              <a:t>+Feb/-Jun</a:t>
+            </a:r>
+            <a:endParaRPr lang="en-US" dirty="0"/>
           </a:p>
         </p:txBody>
       </p:sp>
     </p:spTree>
     <p:extLst>
       <p:ext uri="{BB962C8B-B14F-4D97-AF65-F5344CB8AC3E}">
-        <p14:creationId xmlns:p14="http://schemas.microsoft.com/office/powerpoint/2010/main" val="2776498025"/>
+        <p14:creationId xmlns:p14="http://schemas.microsoft.com/office/powerpoint/2010/main" val="2047382393"/>
       </p:ext>
     </p:extLst>
   </p:cSld>

--- a/doc/Implier - Arbitrage Examples.pptx
+++ b/doc/Implier - Arbitrage Examples.pptx
@@ -302,7 +302,7 @@
             <a:fld id="{1D8BD707-D9CF-40AE-B4C6-C98DA3205C09}" type="datetimeFigureOut">
               <a:rPr lang="en-US" smtClean="0"/>
               <a:pPr/>
-              <a:t>5/25/2010</a:t>
+              <a:t>5/31/2010</a:t>
             </a:fld>
             <a:endParaRPr lang="en-US"/>
           </a:p>
@@ -469,7 +469,7 @@
             <a:fld id="{1D8BD707-D9CF-40AE-B4C6-C98DA3205C09}" type="datetimeFigureOut">
               <a:rPr lang="en-US" smtClean="0"/>
               <a:pPr/>
-              <a:t>5/25/2010</a:t>
+              <a:t>5/31/2010</a:t>
             </a:fld>
             <a:endParaRPr lang="en-US"/>
           </a:p>
@@ -646,7 +646,7 @@
             <a:fld id="{1D8BD707-D9CF-40AE-B4C6-C98DA3205C09}" type="datetimeFigureOut">
               <a:rPr lang="en-US" smtClean="0"/>
               <a:pPr/>
-              <a:t>5/25/2010</a:t>
+              <a:t>5/31/2010</a:t>
             </a:fld>
             <a:endParaRPr lang="en-US"/>
           </a:p>
@@ -813,7 +813,7 @@
             <a:fld id="{1D8BD707-D9CF-40AE-B4C6-C98DA3205C09}" type="datetimeFigureOut">
               <a:rPr lang="en-US" smtClean="0"/>
               <a:pPr/>
-              <a:t>5/25/2010</a:t>
+              <a:t>5/31/2010</a:t>
             </a:fld>
             <a:endParaRPr lang="en-US"/>
           </a:p>
@@ -1056,7 +1056,7 @@
             <a:fld id="{1D8BD707-D9CF-40AE-B4C6-C98DA3205C09}" type="datetimeFigureOut">
               <a:rPr lang="en-US" smtClean="0"/>
               <a:pPr/>
-              <a:t>5/25/2010</a:t>
+              <a:t>5/31/2010</a:t>
             </a:fld>
             <a:endParaRPr lang="en-US"/>
           </a:p>
@@ -1341,7 +1341,7 @@
             <a:fld id="{1D8BD707-D9CF-40AE-B4C6-C98DA3205C09}" type="datetimeFigureOut">
               <a:rPr lang="en-US" smtClean="0"/>
               <a:pPr/>
-              <a:t>5/25/2010</a:t>
+              <a:t>5/31/2010</a:t>
             </a:fld>
             <a:endParaRPr lang="en-US"/>
           </a:p>
@@ -1760,7 +1760,7 @@
             <a:fld id="{1D8BD707-D9CF-40AE-B4C6-C98DA3205C09}" type="datetimeFigureOut">
               <a:rPr lang="en-US" smtClean="0"/>
               <a:pPr/>
-              <a:t>5/25/2010</a:t>
+              <a:t>5/31/2010</a:t>
             </a:fld>
             <a:endParaRPr lang="en-US"/>
           </a:p>
@@ -1875,7 +1875,7 @@
             <a:fld id="{1D8BD707-D9CF-40AE-B4C6-C98DA3205C09}" type="datetimeFigureOut">
               <a:rPr lang="en-US" smtClean="0"/>
               <a:pPr/>
-              <a:t>5/25/2010</a:t>
+              <a:t>5/31/2010</a:t>
             </a:fld>
             <a:endParaRPr lang="en-US"/>
           </a:p>
@@ -1967,7 +1967,7 @@
             <a:fld id="{1D8BD707-D9CF-40AE-B4C6-C98DA3205C09}" type="datetimeFigureOut">
               <a:rPr lang="en-US" smtClean="0"/>
               <a:pPr/>
-              <a:t>5/25/2010</a:t>
+              <a:t>5/31/2010</a:t>
             </a:fld>
             <a:endParaRPr lang="en-US"/>
           </a:p>
@@ -2241,7 +2241,7 @@
             <a:fld id="{1D8BD707-D9CF-40AE-B4C6-C98DA3205C09}" type="datetimeFigureOut">
               <a:rPr lang="en-US" smtClean="0"/>
               <a:pPr/>
-              <a:t>5/25/2010</a:t>
+              <a:t>5/31/2010</a:t>
             </a:fld>
             <a:endParaRPr lang="en-US"/>
           </a:p>
@@ -2491,7 +2491,7 @@
             <a:fld id="{1D8BD707-D9CF-40AE-B4C6-C98DA3205C09}" type="datetimeFigureOut">
               <a:rPr lang="en-US" smtClean="0"/>
               <a:pPr/>
-              <a:t>5/25/2010</a:t>
+              <a:t>5/31/2010</a:t>
             </a:fld>
             <a:endParaRPr lang="en-US"/>
           </a:p>
@@ -2701,7 +2701,7 @@
             <a:fld id="{1D8BD707-D9CF-40AE-B4C6-C98DA3205C09}" type="datetimeFigureOut">
               <a:rPr lang="en-US" smtClean="0"/>
               <a:pPr/>
-              <a:t>5/25/2010</a:t>
+              <a:t>5/31/2010</a:t>
             </a:fld>
             <a:endParaRPr lang="en-US"/>
           </a:p>
@@ -3589,8 +3589,16 @@
               <a:t>transaction cost is </a:t>
             </a:r>
             <a:r>
-              <a:rPr lang="en-US" dirty="0" smtClean="0"/>
-              <a:t>12*$1.16 </a:t>
+              <a:rPr lang="en-US" dirty="0"/>
+              <a:t>8</a:t>
+            </a:r>
+            <a:r>
+              <a:rPr lang="en-US" dirty="0" smtClean="0"/>
+              <a:t>*$</a:t>
+            </a:r>
+            <a:r>
+              <a:rPr lang="en-US" dirty="0" smtClean="0"/>
+              <a:t>1.16 </a:t>
             </a:r>
             <a:r>
               <a:rPr lang="en-US" dirty="0"/>
@@ -3598,7 +3606,11 @@
             </a:r>
             <a:r>
               <a:rPr lang="en-US" dirty="0" smtClean="0"/>
-              <a:t>$13.92</a:t>
+              <a:t>$</a:t>
+            </a:r>
+            <a:r>
+              <a:rPr lang="en-US" dirty="0" smtClean="0"/>
+              <a:t>9.28</a:t>
             </a:r>
             <a:endParaRPr lang="en-US" dirty="0"/>
           </a:p>
@@ -3609,7 +3621,11 @@
             </a:r>
             <a:r>
               <a:rPr lang="en-US" dirty="0" smtClean="0"/>
-              <a:t>$15.08 profit/trade </a:t>
+              <a:t>$30-9.28=$20.72 </a:t>
+            </a:r>
+            <a:r>
+              <a:rPr lang="en-US" dirty="0" smtClean="0"/>
+              <a:t>profit/trade </a:t>
             </a:r>
           </a:p>
           <a:p>
@@ -3623,7 +3639,15 @@
             </a:r>
             <a:r>
               <a:rPr lang="en-US" dirty="0" smtClean="0"/>
-              <a:t>) = 2 times to give us $30.16</a:t>
+              <a:t>) = 2 times to give </a:t>
+            </a:r>
+            <a:r>
+              <a:rPr lang="en-US" smtClean="0"/>
+              <a:t>us </a:t>
+            </a:r>
+            <a:r>
+              <a:rPr lang="en-US" smtClean="0"/>
+              <a:t>2*$20.72=$41.44</a:t>
             </a:r>
             <a:endParaRPr lang="en-US" dirty="0"/>
           </a:p>
@@ -4120,11 +4144,7 @@
             </a:r>
             <a:r>
               <a:rPr lang="en-US" smtClean="0"/>
-              <a:t>Red </a:t>
-            </a:r>
-            <a:r>
-              <a:rPr lang="en-US" smtClean="0"/>
-              <a:t>– Implied </a:t>
+              <a:t>Red – Implied </a:t>
             </a:r>
             <a:r>
               <a:rPr lang="en-US" dirty="0" smtClean="0"/>
@@ -4134,37 +4154,20 @@
           <a:p>
             <a:r>
               <a:rPr lang="en-US" dirty="0" smtClean="0"/>
-              <a:t>Light </a:t>
-            </a:r>
-            <a:r>
-              <a:rPr lang="en-US" dirty="0" smtClean="0"/>
-              <a:t>Blue </a:t>
-            </a:r>
-            <a:r>
-              <a:rPr lang="en-US" dirty="0" smtClean="0"/>
-              <a:t>– Implied Ask</a:t>
-            </a:r>
-          </a:p>
-          <a:p>
-            <a:r>
-              <a:rPr lang="en-US" dirty="0" smtClean="0"/>
-              <a:t>Gray </a:t>
-            </a:r>
-            <a:r>
-              <a:rPr lang="en-US" dirty="0" smtClean="0"/>
-              <a:t>– Outright Bid or Ask</a:t>
-            </a:r>
-          </a:p>
-          <a:p>
-            <a:r>
-              <a:rPr lang="en-US" dirty="0" smtClean="0"/>
-              <a:t>White – </a:t>
-            </a:r>
-            <a:r>
-              <a:rPr lang="en-US" dirty="0" smtClean="0"/>
-              <a:t>Combination of direct and implied</a:t>
-            </a:r>
-            <a:endParaRPr lang="en-US" dirty="0" smtClean="0"/>
+              <a:t>Light Blue – Implied Ask</a:t>
+            </a:r>
+          </a:p>
+          <a:p>
+            <a:r>
+              <a:rPr lang="en-US" dirty="0" smtClean="0"/>
+              <a:t>Gray – Outright Bid or Ask</a:t>
+            </a:r>
+          </a:p>
+          <a:p>
+            <a:r>
+              <a:rPr lang="en-US" dirty="0" smtClean="0"/>
+              <a:t>White – Combination of direct and implied</a:t>
+            </a:r>
           </a:p>
         </p:txBody>
       </p:sp>
